--- a/demo-interation1.pptx
+++ b/demo-interation1.pptx
@@ -5,7 +5,9 @@
     <p:sldMasterId id="2147483648" r:id="rId1"/>
   </p:sldMasterIdLst>
   <p:sldIdLst>
-    <p:sldId id="257" r:id="rId2"/>
+    <p:sldId id="260" r:id="rId2"/>
+    <p:sldId id="257" r:id="rId3"/>
+    <p:sldId id="259" r:id="rId4"/>
   </p:sldIdLst>
   <p:sldSz cx="12192000" cy="6858000"/>
   <p:notesSz cx="6858000" cy="9144000"/>
@@ -104,6 +106,11 @@
       </a:defRPr>
     </a:lvl9pPr>
   </p:defaultTextStyle>
+  <p:extLst>
+    <p:ext uri="{EFAFB233-063F-42B5-8137-9DF3F51BA10A}">
+      <p15:sldGuideLst xmlns:p15="http://schemas.microsoft.com/office/powerpoint/2012/main"/>
+    </p:ext>
+  </p:extLst>
 </p:presentation>
 </file>
 
@@ -133,7 +140,7 @@
           <p:cNvPr id="2" name="Tytuł 1">
             <a:extLst>
               <a:ext uri="{FF2B5EF4-FFF2-40B4-BE49-F238E27FC236}">
-                <a16:creationId xmlns:a16="http://schemas.microsoft.com/office/drawing/2014/main" id="{528A6700-EEAC-4D4B-AE39-D451E425AB0B}"/>
+                <a16:creationId xmlns="" xmlns:a16="http://schemas.microsoft.com/office/drawing/2014/main" id="{528A6700-EEAC-4D4B-AE39-D451E425AB0B}"/>
               </a:ext>
             </a:extLst>
           </p:cNvPr>
@@ -171,7 +178,7 @@
           <p:cNvPr id="3" name="Podtytuł 2">
             <a:extLst>
               <a:ext uri="{FF2B5EF4-FFF2-40B4-BE49-F238E27FC236}">
-                <a16:creationId xmlns:a16="http://schemas.microsoft.com/office/drawing/2014/main" id="{1D2634BE-C54E-4FB4-8BCE-631B99ED63D5}"/>
+                <a16:creationId xmlns="" xmlns:a16="http://schemas.microsoft.com/office/drawing/2014/main" id="{1D2634BE-C54E-4FB4-8BCE-631B99ED63D5}"/>
               </a:ext>
             </a:extLst>
           </p:cNvPr>
@@ -242,7 +249,7 @@
           <p:cNvPr id="4" name="Symbol zastępczy daty 3">
             <a:extLst>
               <a:ext uri="{FF2B5EF4-FFF2-40B4-BE49-F238E27FC236}">
-                <a16:creationId xmlns:a16="http://schemas.microsoft.com/office/drawing/2014/main" id="{21522DB1-EC41-4EF1-8C84-A4EC9EB471DE}"/>
+                <a16:creationId xmlns="" xmlns:a16="http://schemas.microsoft.com/office/drawing/2014/main" id="{21522DB1-EC41-4EF1-8C84-A4EC9EB471DE}"/>
               </a:ext>
             </a:extLst>
           </p:cNvPr>
@@ -260,7 +267,7 @@
           <a:p>
             <a:fld id="{52AC4312-47F2-4411-BF89-B6ED09789093}" type="datetimeFigureOut">
               <a:rPr lang="en-US" smtClean="0"/>
-              <a:t>7/19/2017</a:t>
+              <a:t>8/2/2017</a:t>
             </a:fld>
             <a:endParaRPr lang="en-US"/>
           </a:p>
@@ -271,7 +278,7 @@
           <p:cNvPr id="5" name="Symbol zastępczy stopki 4">
             <a:extLst>
               <a:ext uri="{FF2B5EF4-FFF2-40B4-BE49-F238E27FC236}">
-                <a16:creationId xmlns:a16="http://schemas.microsoft.com/office/drawing/2014/main" id="{A0FE962E-D850-4C37-9C49-27E97649BC22}"/>
+                <a16:creationId xmlns="" xmlns:a16="http://schemas.microsoft.com/office/drawing/2014/main" id="{A0FE962E-D850-4C37-9C49-27E97649BC22}"/>
               </a:ext>
             </a:extLst>
           </p:cNvPr>
@@ -296,7 +303,7 @@
           <p:cNvPr id="6" name="Symbol zastępczy numeru slajdu 5">
             <a:extLst>
               <a:ext uri="{FF2B5EF4-FFF2-40B4-BE49-F238E27FC236}">
-                <a16:creationId xmlns:a16="http://schemas.microsoft.com/office/drawing/2014/main" id="{8F91E4CA-52F0-4B3B-8AF5-E95DAAD1B029}"/>
+                <a16:creationId xmlns="" xmlns:a16="http://schemas.microsoft.com/office/drawing/2014/main" id="{8F91E4CA-52F0-4B3B-8AF5-E95DAAD1B029}"/>
               </a:ext>
             </a:extLst>
           </p:cNvPr>
@@ -355,7 +362,7 @@
           <p:cNvPr id="2" name="Tytuł 1">
             <a:extLst>
               <a:ext uri="{FF2B5EF4-FFF2-40B4-BE49-F238E27FC236}">
-                <a16:creationId xmlns:a16="http://schemas.microsoft.com/office/drawing/2014/main" id="{74147D4C-E8E6-487B-8CC1-7E939B3315CF}"/>
+                <a16:creationId xmlns="" xmlns:a16="http://schemas.microsoft.com/office/drawing/2014/main" id="{74147D4C-E8E6-487B-8CC1-7E939B3315CF}"/>
               </a:ext>
             </a:extLst>
           </p:cNvPr>
@@ -384,7 +391,7 @@
           <p:cNvPr id="3" name="Symbol zastępczy tytułu pionowego 2">
             <a:extLst>
               <a:ext uri="{FF2B5EF4-FFF2-40B4-BE49-F238E27FC236}">
-                <a16:creationId xmlns:a16="http://schemas.microsoft.com/office/drawing/2014/main" id="{800B0905-FD09-46C0-943B-1D92BA4F4FFC}"/>
+                <a16:creationId xmlns="" xmlns:a16="http://schemas.microsoft.com/office/drawing/2014/main" id="{800B0905-FD09-46C0-943B-1D92BA4F4FFC}"/>
               </a:ext>
             </a:extLst>
           </p:cNvPr>
@@ -442,7 +449,7 @@
           <p:cNvPr id="4" name="Symbol zastępczy daty 3">
             <a:extLst>
               <a:ext uri="{FF2B5EF4-FFF2-40B4-BE49-F238E27FC236}">
-                <a16:creationId xmlns:a16="http://schemas.microsoft.com/office/drawing/2014/main" id="{E7C8E6CE-71F0-46A7-90DD-EC49F72743A3}"/>
+                <a16:creationId xmlns="" xmlns:a16="http://schemas.microsoft.com/office/drawing/2014/main" id="{E7C8E6CE-71F0-46A7-90DD-EC49F72743A3}"/>
               </a:ext>
             </a:extLst>
           </p:cNvPr>
@@ -460,7 +467,7 @@
           <a:p>
             <a:fld id="{52AC4312-47F2-4411-BF89-B6ED09789093}" type="datetimeFigureOut">
               <a:rPr lang="en-US" smtClean="0"/>
-              <a:t>7/19/2017</a:t>
+              <a:t>8/2/2017</a:t>
             </a:fld>
             <a:endParaRPr lang="en-US"/>
           </a:p>
@@ -471,7 +478,7 @@
           <p:cNvPr id="5" name="Symbol zastępczy stopki 4">
             <a:extLst>
               <a:ext uri="{FF2B5EF4-FFF2-40B4-BE49-F238E27FC236}">
-                <a16:creationId xmlns:a16="http://schemas.microsoft.com/office/drawing/2014/main" id="{7B3F32DE-E7CC-4365-A149-C8BFC6D76C8B}"/>
+                <a16:creationId xmlns="" xmlns:a16="http://schemas.microsoft.com/office/drawing/2014/main" id="{7B3F32DE-E7CC-4365-A149-C8BFC6D76C8B}"/>
               </a:ext>
             </a:extLst>
           </p:cNvPr>
@@ -496,7 +503,7 @@
           <p:cNvPr id="6" name="Symbol zastępczy numeru slajdu 5">
             <a:extLst>
               <a:ext uri="{FF2B5EF4-FFF2-40B4-BE49-F238E27FC236}">
-                <a16:creationId xmlns:a16="http://schemas.microsoft.com/office/drawing/2014/main" id="{13A0336F-7ED7-4BB2-8C0C-AC19AA601BB3}"/>
+                <a16:creationId xmlns="" xmlns:a16="http://schemas.microsoft.com/office/drawing/2014/main" id="{13A0336F-7ED7-4BB2-8C0C-AC19AA601BB3}"/>
               </a:ext>
             </a:extLst>
           </p:cNvPr>
@@ -555,7 +562,7 @@
           <p:cNvPr id="2" name="Tytuł pionowy 1">
             <a:extLst>
               <a:ext uri="{FF2B5EF4-FFF2-40B4-BE49-F238E27FC236}">
-                <a16:creationId xmlns:a16="http://schemas.microsoft.com/office/drawing/2014/main" id="{18EA9A84-C467-434A-BE1D-9A38BFCB4DB4}"/>
+                <a16:creationId xmlns="" xmlns:a16="http://schemas.microsoft.com/office/drawing/2014/main" id="{18EA9A84-C467-434A-BE1D-9A38BFCB4DB4}"/>
               </a:ext>
             </a:extLst>
           </p:cNvPr>
@@ -589,7 +596,7 @@
           <p:cNvPr id="3" name="Symbol zastępczy tytułu pionowego 2">
             <a:extLst>
               <a:ext uri="{FF2B5EF4-FFF2-40B4-BE49-F238E27FC236}">
-                <a16:creationId xmlns:a16="http://schemas.microsoft.com/office/drawing/2014/main" id="{C907B94D-7B44-44A8-98F6-0037B5C64C7C}"/>
+                <a16:creationId xmlns="" xmlns:a16="http://schemas.microsoft.com/office/drawing/2014/main" id="{C907B94D-7B44-44A8-98F6-0037B5C64C7C}"/>
               </a:ext>
             </a:extLst>
           </p:cNvPr>
@@ -652,7 +659,7 @@
           <p:cNvPr id="4" name="Symbol zastępczy daty 3">
             <a:extLst>
               <a:ext uri="{FF2B5EF4-FFF2-40B4-BE49-F238E27FC236}">
-                <a16:creationId xmlns:a16="http://schemas.microsoft.com/office/drawing/2014/main" id="{208ACBC5-9C38-4047-8625-6535E9EED578}"/>
+                <a16:creationId xmlns="" xmlns:a16="http://schemas.microsoft.com/office/drawing/2014/main" id="{208ACBC5-9C38-4047-8625-6535E9EED578}"/>
               </a:ext>
             </a:extLst>
           </p:cNvPr>
@@ -670,7 +677,7 @@
           <a:p>
             <a:fld id="{52AC4312-47F2-4411-BF89-B6ED09789093}" type="datetimeFigureOut">
               <a:rPr lang="en-US" smtClean="0"/>
-              <a:t>7/19/2017</a:t>
+              <a:t>8/2/2017</a:t>
             </a:fld>
             <a:endParaRPr lang="en-US"/>
           </a:p>
@@ -681,7 +688,7 @@
           <p:cNvPr id="5" name="Symbol zastępczy stopki 4">
             <a:extLst>
               <a:ext uri="{FF2B5EF4-FFF2-40B4-BE49-F238E27FC236}">
-                <a16:creationId xmlns:a16="http://schemas.microsoft.com/office/drawing/2014/main" id="{E8D7DB3A-3FB9-4B8B-8758-0281F1CDB26E}"/>
+                <a16:creationId xmlns="" xmlns:a16="http://schemas.microsoft.com/office/drawing/2014/main" id="{E8D7DB3A-3FB9-4B8B-8758-0281F1CDB26E}"/>
               </a:ext>
             </a:extLst>
           </p:cNvPr>
@@ -706,7 +713,7 @@
           <p:cNvPr id="6" name="Symbol zastępczy numeru slajdu 5">
             <a:extLst>
               <a:ext uri="{FF2B5EF4-FFF2-40B4-BE49-F238E27FC236}">
-                <a16:creationId xmlns:a16="http://schemas.microsoft.com/office/drawing/2014/main" id="{9A3C3F3B-CFAA-4545-B5B8-E5B9D7B0DB35}"/>
+                <a16:creationId xmlns="" xmlns:a16="http://schemas.microsoft.com/office/drawing/2014/main" id="{9A3C3F3B-CFAA-4545-B5B8-E5B9D7B0DB35}"/>
               </a:ext>
             </a:extLst>
           </p:cNvPr>
@@ -765,7 +772,7 @@
           <p:cNvPr id="2" name="Tytuł 1">
             <a:extLst>
               <a:ext uri="{FF2B5EF4-FFF2-40B4-BE49-F238E27FC236}">
-                <a16:creationId xmlns:a16="http://schemas.microsoft.com/office/drawing/2014/main" id="{790609D2-C96E-4D55-8A43-99A2B566051D}"/>
+                <a16:creationId xmlns="" xmlns:a16="http://schemas.microsoft.com/office/drawing/2014/main" id="{790609D2-C96E-4D55-8A43-99A2B566051D}"/>
               </a:ext>
             </a:extLst>
           </p:cNvPr>
@@ -794,7 +801,7 @@
           <p:cNvPr id="3" name="Symbol zastępczy zawartości 2">
             <a:extLst>
               <a:ext uri="{FF2B5EF4-FFF2-40B4-BE49-F238E27FC236}">
-                <a16:creationId xmlns:a16="http://schemas.microsoft.com/office/drawing/2014/main" id="{A72C5FC1-CCDB-4964-B676-0CE3432388D9}"/>
+                <a16:creationId xmlns="" xmlns:a16="http://schemas.microsoft.com/office/drawing/2014/main" id="{A72C5FC1-CCDB-4964-B676-0CE3432388D9}"/>
               </a:ext>
             </a:extLst>
           </p:cNvPr>
@@ -852,7 +859,7 @@
           <p:cNvPr id="4" name="Symbol zastępczy daty 3">
             <a:extLst>
               <a:ext uri="{FF2B5EF4-FFF2-40B4-BE49-F238E27FC236}">
-                <a16:creationId xmlns:a16="http://schemas.microsoft.com/office/drawing/2014/main" id="{83EBA132-C003-4235-AF3E-20AC84FA1B65}"/>
+                <a16:creationId xmlns="" xmlns:a16="http://schemas.microsoft.com/office/drawing/2014/main" id="{83EBA132-C003-4235-AF3E-20AC84FA1B65}"/>
               </a:ext>
             </a:extLst>
           </p:cNvPr>
@@ -870,7 +877,7 @@
           <a:p>
             <a:fld id="{52AC4312-47F2-4411-BF89-B6ED09789093}" type="datetimeFigureOut">
               <a:rPr lang="en-US" smtClean="0"/>
-              <a:t>7/19/2017</a:t>
+              <a:t>8/2/2017</a:t>
             </a:fld>
             <a:endParaRPr lang="en-US"/>
           </a:p>
@@ -881,7 +888,7 @@
           <p:cNvPr id="5" name="Symbol zastępczy stopki 4">
             <a:extLst>
               <a:ext uri="{FF2B5EF4-FFF2-40B4-BE49-F238E27FC236}">
-                <a16:creationId xmlns:a16="http://schemas.microsoft.com/office/drawing/2014/main" id="{5C8DB2AF-344B-4B67-86C9-3D31F6D4C2E0}"/>
+                <a16:creationId xmlns="" xmlns:a16="http://schemas.microsoft.com/office/drawing/2014/main" id="{5C8DB2AF-344B-4B67-86C9-3D31F6D4C2E0}"/>
               </a:ext>
             </a:extLst>
           </p:cNvPr>
@@ -906,7 +913,7 @@
           <p:cNvPr id="6" name="Symbol zastępczy numeru slajdu 5">
             <a:extLst>
               <a:ext uri="{FF2B5EF4-FFF2-40B4-BE49-F238E27FC236}">
-                <a16:creationId xmlns:a16="http://schemas.microsoft.com/office/drawing/2014/main" id="{CD846DBF-4EB7-4225-B1D6-710EADAEF612}"/>
+                <a16:creationId xmlns="" xmlns:a16="http://schemas.microsoft.com/office/drawing/2014/main" id="{CD846DBF-4EB7-4225-B1D6-710EADAEF612}"/>
               </a:ext>
             </a:extLst>
           </p:cNvPr>
@@ -965,7 +972,7 @@
           <p:cNvPr id="2" name="Tytuł 1">
             <a:extLst>
               <a:ext uri="{FF2B5EF4-FFF2-40B4-BE49-F238E27FC236}">
-                <a16:creationId xmlns:a16="http://schemas.microsoft.com/office/drawing/2014/main" id="{FC9AAD9C-25D9-4B32-92B2-47E2F26870AC}"/>
+                <a16:creationId xmlns="" xmlns:a16="http://schemas.microsoft.com/office/drawing/2014/main" id="{FC9AAD9C-25D9-4B32-92B2-47E2F26870AC}"/>
               </a:ext>
             </a:extLst>
           </p:cNvPr>
@@ -1003,7 +1010,7 @@
           <p:cNvPr id="3" name="Symbol zastępczy tekstu 2">
             <a:extLst>
               <a:ext uri="{FF2B5EF4-FFF2-40B4-BE49-F238E27FC236}">
-                <a16:creationId xmlns:a16="http://schemas.microsoft.com/office/drawing/2014/main" id="{108387BB-E9D1-4232-B7C4-A2B8C3EA20B4}"/>
+                <a16:creationId xmlns="" xmlns:a16="http://schemas.microsoft.com/office/drawing/2014/main" id="{108387BB-E9D1-4232-B7C4-A2B8C3EA20B4}"/>
               </a:ext>
             </a:extLst>
           </p:cNvPr>
@@ -1128,7 +1135,7 @@
           <p:cNvPr id="4" name="Symbol zastępczy daty 3">
             <a:extLst>
               <a:ext uri="{FF2B5EF4-FFF2-40B4-BE49-F238E27FC236}">
-                <a16:creationId xmlns:a16="http://schemas.microsoft.com/office/drawing/2014/main" id="{97532E89-F80D-4023-B562-74A9CB64E0DC}"/>
+                <a16:creationId xmlns="" xmlns:a16="http://schemas.microsoft.com/office/drawing/2014/main" id="{97532E89-F80D-4023-B562-74A9CB64E0DC}"/>
               </a:ext>
             </a:extLst>
           </p:cNvPr>
@@ -1146,7 +1153,7 @@
           <a:p>
             <a:fld id="{52AC4312-47F2-4411-BF89-B6ED09789093}" type="datetimeFigureOut">
               <a:rPr lang="en-US" smtClean="0"/>
-              <a:t>7/19/2017</a:t>
+              <a:t>8/2/2017</a:t>
             </a:fld>
             <a:endParaRPr lang="en-US"/>
           </a:p>
@@ -1157,7 +1164,7 @@
           <p:cNvPr id="5" name="Symbol zastępczy stopki 4">
             <a:extLst>
               <a:ext uri="{FF2B5EF4-FFF2-40B4-BE49-F238E27FC236}">
-                <a16:creationId xmlns:a16="http://schemas.microsoft.com/office/drawing/2014/main" id="{07667A69-A6D4-491B-A0A8-FEB6BAA436DB}"/>
+                <a16:creationId xmlns="" xmlns:a16="http://schemas.microsoft.com/office/drawing/2014/main" id="{07667A69-A6D4-491B-A0A8-FEB6BAA436DB}"/>
               </a:ext>
             </a:extLst>
           </p:cNvPr>
@@ -1182,7 +1189,7 @@
           <p:cNvPr id="6" name="Symbol zastępczy numeru slajdu 5">
             <a:extLst>
               <a:ext uri="{FF2B5EF4-FFF2-40B4-BE49-F238E27FC236}">
-                <a16:creationId xmlns:a16="http://schemas.microsoft.com/office/drawing/2014/main" id="{677AD163-BE9A-46E6-807E-1347D0655EB6}"/>
+                <a16:creationId xmlns="" xmlns:a16="http://schemas.microsoft.com/office/drawing/2014/main" id="{677AD163-BE9A-46E6-807E-1347D0655EB6}"/>
               </a:ext>
             </a:extLst>
           </p:cNvPr>
@@ -1241,7 +1248,7 @@
           <p:cNvPr id="2" name="Tytuł 1">
             <a:extLst>
               <a:ext uri="{FF2B5EF4-FFF2-40B4-BE49-F238E27FC236}">
-                <a16:creationId xmlns:a16="http://schemas.microsoft.com/office/drawing/2014/main" id="{7FD7015D-A2E8-4F51-A4BB-6D77A97357FD}"/>
+                <a16:creationId xmlns="" xmlns:a16="http://schemas.microsoft.com/office/drawing/2014/main" id="{7FD7015D-A2E8-4F51-A4BB-6D77A97357FD}"/>
               </a:ext>
             </a:extLst>
           </p:cNvPr>
@@ -1270,7 +1277,7 @@
           <p:cNvPr id="3" name="Symbol zastępczy zawartości 2">
             <a:extLst>
               <a:ext uri="{FF2B5EF4-FFF2-40B4-BE49-F238E27FC236}">
-                <a16:creationId xmlns:a16="http://schemas.microsoft.com/office/drawing/2014/main" id="{5881422E-0A92-47AF-AF91-EF470411DCDE}"/>
+                <a16:creationId xmlns="" xmlns:a16="http://schemas.microsoft.com/office/drawing/2014/main" id="{5881422E-0A92-47AF-AF91-EF470411DCDE}"/>
               </a:ext>
             </a:extLst>
           </p:cNvPr>
@@ -1333,7 +1340,7 @@
           <p:cNvPr id="4" name="Symbol zastępczy zawartości 3">
             <a:extLst>
               <a:ext uri="{FF2B5EF4-FFF2-40B4-BE49-F238E27FC236}">
-                <a16:creationId xmlns:a16="http://schemas.microsoft.com/office/drawing/2014/main" id="{FBCC3559-E448-49DD-A4CB-5BB19EE5E893}"/>
+                <a16:creationId xmlns="" xmlns:a16="http://schemas.microsoft.com/office/drawing/2014/main" id="{FBCC3559-E448-49DD-A4CB-5BB19EE5E893}"/>
               </a:ext>
             </a:extLst>
           </p:cNvPr>
@@ -1396,7 +1403,7 @@
           <p:cNvPr id="5" name="Symbol zastępczy daty 4">
             <a:extLst>
               <a:ext uri="{FF2B5EF4-FFF2-40B4-BE49-F238E27FC236}">
-                <a16:creationId xmlns:a16="http://schemas.microsoft.com/office/drawing/2014/main" id="{09B40BCD-290A-4414-9ECC-AFA0023A2F68}"/>
+                <a16:creationId xmlns="" xmlns:a16="http://schemas.microsoft.com/office/drawing/2014/main" id="{09B40BCD-290A-4414-9ECC-AFA0023A2F68}"/>
               </a:ext>
             </a:extLst>
           </p:cNvPr>
@@ -1414,7 +1421,7 @@
           <a:p>
             <a:fld id="{52AC4312-47F2-4411-BF89-B6ED09789093}" type="datetimeFigureOut">
               <a:rPr lang="en-US" smtClean="0"/>
-              <a:t>7/19/2017</a:t>
+              <a:t>8/2/2017</a:t>
             </a:fld>
             <a:endParaRPr lang="en-US"/>
           </a:p>
@@ -1425,7 +1432,7 @@
           <p:cNvPr id="6" name="Symbol zastępczy stopki 5">
             <a:extLst>
               <a:ext uri="{FF2B5EF4-FFF2-40B4-BE49-F238E27FC236}">
-                <a16:creationId xmlns:a16="http://schemas.microsoft.com/office/drawing/2014/main" id="{46979274-7FFB-46DF-B603-2B59F04447C1}"/>
+                <a16:creationId xmlns="" xmlns:a16="http://schemas.microsoft.com/office/drawing/2014/main" id="{46979274-7FFB-46DF-B603-2B59F04447C1}"/>
               </a:ext>
             </a:extLst>
           </p:cNvPr>
@@ -1450,7 +1457,7 @@
           <p:cNvPr id="7" name="Symbol zastępczy numeru slajdu 6">
             <a:extLst>
               <a:ext uri="{FF2B5EF4-FFF2-40B4-BE49-F238E27FC236}">
-                <a16:creationId xmlns:a16="http://schemas.microsoft.com/office/drawing/2014/main" id="{69D5DCF8-C476-46A4-8FBD-8BACA2F9A7E4}"/>
+                <a16:creationId xmlns="" xmlns:a16="http://schemas.microsoft.com/office/drawing/2014/main" id="{69D5DCF8-C476-46A4-8FBD-8BACA2F9A7E4}"/>
               </a:ext>
             </a:extLst>
           </p:cNvPr>
@@ -1509,7 +1516,7 @@
           <p:cNvPr id="2" name="Tytuł 1">
             <a:extLst>
               <a:ext uri="{FF2B5EF4-FFF2-40B4-BE49-F238E27FC236}">
-                <a16:creationId xmlns:a16="http://schemas.microsoft.com/office/drawing/2014/main" id="{77EAF230-8BFE-4283-90C4-5E102714B795}"/>
+                <a16:creationId xmlns="" xmlns:a16="http://schemas.microsoft.com/office/drawing/2014/main" id="{77EAF230-8BFE-4283-90C4-5E102714B795}"/>
               </a:ext>
             </a:extLst>
           </p:cNvPr>
@@ -1543,7 +1550,7 @@
           <p:cNvPr id="3" name="Symbol zastępczy tekstu 2">
             <a:extLst>
               <a:ext uri="{FF2B5EF4-FFF2-40B4-BE49-F238E27FC236}">
-                <a16:creationId xmlns:a16="http://schemas.microsoft.com/office/drawing/2014/main" id="{C6DA9B98-A840-453C-A3AA-E52A6D3A7D58}"/>
+                <a16:creationId xmlns="" xmlns:a16="http://schemas.microsoft.com/office/drawing/2014/main" id="{C6DA9B98-A840-453C-A3AA-E52A6D3A7D58}"/>
               </a:ext>
             </a:extLst>
           </p:cNvPr>
@@ -1614,7 +1621,7 @@
           <p:cNvPr id="4" name="Symbol zastępczy zawartości 3">
             <a:extLst>
               <a:ext uri="{FF2B5EF4-FFF2-40B4-BE49-F238E27FC236}">
-                <a16:creationId xmlns:a16="http://schemas.microsoft.com/office/drawing/2014/main" id="{DAF6E38D-1FBB-4274-B0D6-A00259719B1E}"/>
+                <a16:creationId xmlns="" xmlns:a16="http://schemas.microsoft.com/office/drawing/2014/main" id="{DAF6E38D-1FBB-4274-B0D6-A00259719B1E}"/>
               </a:ext>
             </a:extLst>
           </p:cNvPr>
@@ -1677,7 +1684,7 @@
           <p:cNvPr id="5" name="Symbol zastępczy tekstu 4">
             <a:extLst>
               <a:ext uri="{FF2B5EF4-FFF2-40B4-BE49-F238E27FC236}">
-                <a16:creationId xmlns:a16="http://schemas.microsoft.com/office/drawing/2014/main" id="{46C3B223-97B1-47CF-B0F1-F9168F5B597E}"/>
+                <a16:creationId xmlns="" xmlns:a16="http://schemas.microsoft.com/office/drawing/2014/main" id="{46C3B223-97B1-47CF-B0F1-F9168F5B597E}"/>
               </a:ext>
             </a:extLst>
           </p:cNvPr>
@@ -1748,7 +1755,7 @@
           <p:cNvPr id="6" name="Symbol zastępczy zawartości 5">
             <a:extLst>
               <a:ext uri="{FF2B5EF4-FFF2-40B4-BE49-F238E27FC236}">
-                <a16:creationId xmlns:a16="http://schemas.microsoft.com/office/drawing/2014/main" id="{6842DF50-0ABD-49B4-AC97-2D6ED9F4E8E1}"/>
+                <a16:creationId xmlns="" xmlns:a16="http://schemas.microsoft.com/office/drawing/2014/main" id="{6842DF50-0ABD-49B4-AC97-2D6ED9F4E8E1}"/>
               </a:ext>
             </a:extLst>
           </p:cNvPr>
@@ -1811,7 +1818,7 @@
           <p:cNvPr id="7" name="Symbol zastępczy daty 6">
             <a:extLst>
               <a:ext uri="{FF2B5EF4-FFF2-40B4-BE49-F238E27FC236}">
-                <a16:creationId xmlns:a16="http://schemas.microsoft.com/office/drawing/2014/main" id="{0E986761-1003-4EDB-8A40-9B655579E87A}"/>
+                <a16:creationId xmlns="" xmlns:a16="http://schemas.microsoft.com/office/drawing/2014/main" id="{0E986761-1003-4EDB-8A40-9B655579E87A}"/>
               </a:ext>
             </a:extLst>
           </p:cNvPr>
@@ -1829,7 +1836,7 @@
           <a:p>
             <a:fld id="{52AC4312-47F2-4411-BF89-B6ED09789093}" type="datetimeFigureOut">
               <a:rPr lang="en-US" smtClean="0"/>
-              <a:t>7/19/2017</a:t>
+              <a:t>8/2/2017</a:t>
             </a:fld>
             <a:endParaRPr lang="en-US"/>
           </a:p>
@@ -1840,7 +1847,7 @@
           <p:cNvPr id="8" name="Symbol zastępczy stopki 7">
             <a:extLst>
               <a:ext uri="{FF2B5EF4-FFF2-40B4-BE49-F238E27FC236}">
-                <a16:creationId xmlns:a16="http://schemas.microsoft.com/office/drawing/2014/main" id="{6809B70A-FF13-4C5F-8CA6-F955D8219574}"/>
+                <a16:creationId xmlns="" xmlns:a16="http://schemas.microsoft.com/office/drawing/2014/main" id="{6809B70A-FF13-4C5F-8CA6-F955D8219574}"/>
               </a:ext>
             </a:extLst>
           </p:cNvPr>
@@ -1865,7 +1872,7 @@
           <p:cNvPr id="9" name="Symbol zastępczy numeru slajdu 8">
             <a:extLst>
               <a:ext uri="{FF2B5EF4-FFF2-40B4-BE49-F238E27FC236}">
-                <a16:creationId xmlns:a16="http://schemas.microsoft.com/office/drawing/2014/main" id="{786BF412-0798-4029-B097-A4F032A1F784}"/>
+                <a16:creationId xmlns="" xmlns:a16="http://schemas.microsoft.com/office/drawing/2014/main" id="{786BF412-0798-4029-B097-A4F032A1F784}"/>
               </a:ext>
             </a:extLst>
           </p:cNvPr>
@@ -1924,7 +1931,7 @@
           <p:cNvPr id="2" name="Tytuł 1">
             <a:extLst>
               <a:ext uri="{FF2B5EF4-FFF2-40B4-BE49-F238E27FC236}">
-                <a16:creationId xmlns:a16="http://schemas.microsoft.com/office/drawing/2014/main" id="{2257DDEA-AC8B-4BCC-9847-EEFAC9F2925C}"/>
+                <a16:creationId xmlns="" xmlns:a16="http://schemas.microsoft.com/office/drawing/2014/main" id="{2257DDEA-AC8B-4BCC-9847-EEFAC9F2925C}"/>
               </a:ext>
             </a:extLst>
           </p:cNvPr>
@@ -1953,7 +1960,7 @@
           <p:cNvPr id="3" name="Symbol zastępczy daty 2">
             <a:extLst>
               <a:ext uri="{FF2B5EF4-FFF2-40B4-BE49-F238E27FC236}">
-                <a16:creationId xmlns:a16="http://schemas.microsoft.com/office/drawing/2014/main" id="{10014E71-9392-4966-8A16-47F142F22D3F}"/>
+                <a16:creationId xmlns="" xmlns:a16="http://schemas.microsoft.com/office/drawing/2014/main" id="{10014E71-9392-4966-8A16-47F142F22D3F}"/>
               </a:ext>
             </a:extLst>
           </p:cNvPr>
@@ -1971,7 +1978,7 @@
           <a:p>
             <a:fld id="{52AC4312-47F2-4411-BF89-B6ED09789093}" type="datetimeFigureOut">
               <a:rPr lang="en-US" smtClean="0"/>
-              <a:t>7/19/2017</a:t>
+              <a:t>8/2/2017</a:t>
             </a:fld>
             <a:endParaRPr lang="en-US"/>
           </a:p>
@@ -1982,7 +1989,7 @@
           <p:cNvPr id="4" name="Symbol zastępczy stopki 3">
             <a:extLst>
               <a:ext uri="{FF2B5EF4-FFF2-40B4-BE49-F238E27FC236}">
-                <a16:creationId xmlns:a16="http://schemas.microsoft.com/office/drawing/2014/main" id="{C9DA1BDD-4D67-48BF-BBFC-5713C88175A4}"/>
+                <a16:creationId xmlns="" xmlns:a16="http://schemas.microsoft.com/office/drawing/2014/main" id="{C9DA1BDD-4D67-48BF-BBFC-5713C88175A4}"/>
               </a:ext>
             </a:extLst>
           </p:cNvPr>
@@ -2007,7 +2014,7 @@
           <p:cNvPr id="5" name="Symbol zastępczy numeru slajdu 4">
             <a:extLst>
               <a:ext uri="{FF2B5EF4-FFF2-40B4-BE49-F238E27FC236}">
-                <a16:creationId xmlns:a16="http://schemas.microsoft.com/office/drawing/2014/main" id="{0D2EDCA9-A345-4781-B9CA-E3ACEBE28075}"/>
+                <a16:creationId xmlns="" xmlns:a16="http://schemas.microsoft.com/office/drawing/2014/main" id="{0D2EDCA9-A345-4781-B9CA-E3ACEBE28075}"/>
               </a:ext>
             </a:extLst>
           </p:cNvPr>
@@ -2066,7 +2073,7 @@
           <p:cNvPr id="2" name="Symbol zastępczy daty 1">
             <a:extLst>
               <a:ext uri="{FF2B5EF4-FFF2-40B4-BE49-F238E27FC236}">
-                <a16:creationId xmlns:a16="http://schemas.microsoft.com/office/drawing/2014/main" id="{57A412AD-DC05-4DE0-A192-F58738D03626}"/>
+                <a16:creationId xmlns="" xmlns:a16="http://schemas.microsoft.com/office/drawing/2014/main" id="{57A412AD-DC05-4DE0-A192-F58738D03626}"/>
               </a:ext>
             </a:extLst>
           </p:cNvPr>
@@ -2084,7 +2091,7 @@
           <a:p>
             <a:fld id="{52AC4312-47F2-4411-BF89-B6ED09789093}" type="datetimeFigureOut">
               <a:rPr lang="en-US" smtClean="0"/>
-              <a:t>7/19/2017</a:t>
+              <a:t>8/2/2017</a:t>
             </a:fld>
             <a:endParaRPr lang="en-US"/>
           </a:p>
@@ -2095,7 +2102,7 @@
           <p:cNvPr id="3" name="Symbol zastępczy stopki 2">
             <a:extLst>
               <a:ext uri="{FF2B5EF4-FFF2-40B4-BE49-F238E27FC236}">
-                <a16:creationId xmlns:a16="http://schemas.microsoft.com/office/drawing/2014/main" id="{F2151AD0-9ECC-48D9-9991-A6D3246DA480}"/>
+                <a16:creationId xmlns="" xmlns:a16="http://schemas.microsoft.com/office/drawing/2014/main" id="{F2151AD0-9ECC-48D9-9991-A6D3246DA480}"/>
               </a:ext>
             </a:extLst>
           </p:cNvPr>
@@ -2120,7 +2127,7 @@
           <p:cNvPr id="4" name="Symbol zastępczy numeru slajdu 3">
             <a:extLst>
               <a:ext uri="{FF2B5EF4-FFF2-40B4-BE49-F238E27FC236}">
-                <a16:creationId xmlns:a16="http://schemas.microsoft.com/office/drawing/2014/main" id="{33C5B9CA-1374-4EB5-A742-4CE3943808AB}"/>
+                <a16:creationId xmlns="" xmlns:a16="http://schemas.microsoft.com/office/drawing/2014/main" id="{33C5B9CA-1374-4EB5-A742-4CE3943808AB}"/>
               </a:ext>
             </a:extLst>
           </p:cNvPr>
@@ -2179,7 +2186,7 @@
           <p:cNvPr id="2" name="Tytuł 1">
             <a:extLst>
               <a:ext uri="{FF2B5EF4-FFF2-40B4-BE49-F238E27FC236}">
-                <a16:creationId xmlns:a16="http://schemas.microsoft.com/office/drawing/2014/main" id="{736AB37D-FAFB-402F-8FFB-4223558B4A5A}"/>
+                <a16:creationId xmlns="" xmlns:a16="http://schemas.microsoft.com/office/drawing/2014/main" id="{736AB37D-FAFB-402F-8FFB-4223558B4A5A}"/>
               </a:ext>
             </a:extLst>
           </p:cNvPr>
@@ -2217,7 +2224,7 @@
           <p:cNvPr id="3" name="Symbol zastępczy zawartości 2">
             <a:extLst>
               <a:ext uri="{FF2B5EF4-FFF2-40B4-BE49-F238E27FC236}">
-                <a16:creationId xmlns:a16="http://schemas.microsoft.com/office/drawing/2014/main" id="{9BA42F2C-1373-4C8D-82C0-BDFB4630F902}"/>
+                <a16:creationId xmlns="" xmlns:a16="http://schemas.microsoft.com/office/drawing/2014/main" id="{9BA42F2C-1373-4C8D-82C0-BDFB4630F902}"/>
               </a:ext>
             </a:extLst>
           </p:cNvPr>
@@ -2308,7 +2315,7 @@
           <p:cNvPr id="4" name="Symbol zastępczy tekstu 3">
             <a:extLst>
               <a:ext uri="{FF2B5EF4-FFF2-40B4-BE49-F238E27FC236}">
-                <a16:creationId xmlns:a16="http://schemas.microsoft.com/office/drawing/2014/main" id="{9EAE41BD-C223-4DA2-A66A-8A4D94DA10BC}"/>
+                <a16:creationId xmlns="" xmlns:a16="http://schemas.microsoft.com/office/drawing/2014/main" id="{9EAE41BD-C223-4DA2-A66A-8A4D94DA10BC}"/>
               </a:ext>
             </a:extLst>
           </p:cNvPr>
@@ -2379,7 +2386,7 @@
           <p:cNvPr id="5" name="Symbol zastępczy daty 4">
             <a:extLst>
               <a:ext uri="{FF2B5EF4-FFF2-40B4-BE49-F238E27FC236}">
-                <a16:creationId xmlns:a16="http://schemas.microsoft.com/office/drawing/2014/main" id="{ECB5A064-9A9D-4A0F-BA4E-997C368F8287}"/>
+                <a16:creationId xmlns="" xmlns:a16="http://schemas.microsoft.com/office/drawing/2014/main" id="{ECB5A064-9A9D-4A0F-BA4E-997C368F8287}"/>
               </a:ext>
             </a:extLst>
           </p:cNvPr>
@@ -2397,7 +2404,7 @@
           <a:p>
             <a:fld id="{52AC4312-47F2-4411-BF89-B6ED09789093}" type="datetimeFigureOut">
               <a:rPr lang="en-US" smtClean="0"/>
-              <a:t>7/19/2017</a:t>
+              <a:t>8/2/2017</a:t>
             </a:fld>
             <a:endParaRPr lang="en-US"/>
           </a:p>
@@ -2408,7 +2415,7 @@
           <p:cNvPr id="6" name="Symbol zastępczy stopki 5">
             <a:extLst>
               <a:ext uri="{FF2B5EF4-FFF2-40B4-BE49-F238E27FC236}">
-                <a16:creationId xmlns:a16="http://schemas.microsoft.com/office/drawing/2014/main" id="{D2183ACE-B054-44C3-B3A6-1C3E8DB43D1A}"/>
+                <a16:creationId xmlns="" xmlns:a16="http://schemas.microsoft.com/office/drawing/2014/main" id="{D2183ACE-B054-44C3-B3A6-1C3E8DB43D1A}"/>
               </a:ext>
             </a:extLst>
           </p:cNvPr>
@@ -2433,7 +2440,7 @@
           <p:cNvPr id="7" name="Symbol zastępczy numeru slajdu 6">
             <a:extLst>
               <a:ext uri="{FF2B5EF4-FFF2-40B4-BE49-F238E27FC236}">
-                <a16:creationId xmlns:a16="http://schemas.microsoft.com/office/drawing/2014/main" id="{FC33D55F-C1AE-4BAD-B4AE-6BD757390D6F}"/>
+                <a16:creationId xmlns="" xmlns:a16="http://schemas.microsoft.com/office/drawing/2014/main" id="{FC33D55F-C1AE-4BAD-B4AE-6BD757390D6F}"/>
               </a:ext>
             </a:extLst>
           </p:cNvPr>
@@ -2492,7 +2499,7 @@
           <p:cNvPr id="2" name="Tytuł 1">
             <a:extLst>
               <a:ext uri="{FF2B5EF4-FFF2-40B4-BE49-F238E27FC236}">
-                <a16:creationId xmlns:a16="http://schemas.microsoft.com/office/drawing/2014/main" id="{86200307-F6CC-48FF-A09C-D2E3E466ACE0}"/>
+                <a16:creationId xmlns="" xmlns:a16="http://schemas.microsoft.com/office/drawing/2014/main" id="{86200307-F6CC-48FF-A09C-D2E3E466ACE0}"/>
               </a:ext>
             </a:extLst>
           </p:cNvPr>
@@ -2530,7 +2537,7 @@
           <p:cNvPr id="3" name="Symbol zastępczy obrazu 2">
             <a:extLst>
               <a:ext uri="{FF2B5EF4-FFF2-40B4-BE49-F238E27FC236}">
-                <a16:creationId xmlns:a16="http://schemas.microsoft.com/office/drawing/2014/main" id="{6E93C2D6-D88A-4FBB-8D1B-CF879290A3B5}"/>
+                <a16:creationId xmlns="" xmlns:a16="http://schemas.microsoft.com/office/drawing/2014/main" id="{6E93C2D6-D88A-4FBB-8D1B-CF879290A3B5}"/>
               </a:ext>
             </a:extLst>
           </p:cNvPr>
@@ -2597,7 +2604,7 @@
           <p:cNvPr id="4" name="Symbol zastępczy tekstu 3">
             <a:extLst>
               <a:ext uri="{FF2B5EF4-FFF2-40B4-BE49-F238E27FC236}">
-                <a16:creationId xmlns:a16="http://schemas.microsoft.com/office/drawing/2014/main" id="{521C114D-FF64-44A7-B2B3-6998FE971C56}"/>
+                <a16:creationId xmlns="" xmlns:a16="http://schemas.microsoft.com/office/drawing/2014/main" id="{521C114D-FF64-44A7-B2B3-6998FE971C56}"/>
               </a:ext>
             </a:extLst>
           </p:cNvPr>
@@ -2668,7 +2675,7 @@
           <p:cNvPr id="5" name="Symbol zastępczy daty 4">
             <a:extLst>
               <a:ext uri="{FF2B5EF4-FFF2-40B4-BE49-F238E27FC236}">
-                <a16:creationId xmlns:a16="http://schemas.microsoft.com/office/drawing/2014/main" id="{FB3AEB7C-CCB2-47CD-9DF1-0FB13286E510}"/>
+                <a16:creationId xmlns="" xmlns:a16="http://schemas.microsoft.com/office/drawing/2014/main" id="{FB3AEB7C-CCB2-47CD-9DF1-0FB13286E510}"/>
               </a:ext>
             </a:extLst>
           </p:cNvPr>
@@ -2686,7 +2693,7 @@
           <a:p>
             <a:fld id="{52AC4312-47F2-4411-BF89-B6ED09789093}" type="datetimeFigureOut">
               <a:rPr lang="en-US" smtClean="0"/>
-              <a:t>7/19/2017</a:t>
+              <a:t>8/2/2017</a:t>
             </a:fld>
             <a:endParaRPr lang="en-US"/>
           </a:p>
@@ -2697,7 +2704,7 @@
           <p:cNvPr id="6" name="Symbol zastępczy stopki 5">
             <a:extLst>
               <a:ext uri="{FF2B5EF4-FFF2-40B4-BE49-F238E27FC236}">
-                <a16:creationId xmlns:a16="http://schemas.microsoft.com/office/drawing/2014/main" id="{7296DC8E-ACD6-4ED1-8EEE-6467AC684198}"/>
+                <a16:creationId xmlns="" xmlns:a16="http://schemas.microsoft.com/office/drawing/2014/main" id="{7296DC8E-ACD6-4ED1-8EEE-6467AC684198}"/>
               </a:ext>
             </a:extLst>
           </p:cNvPr>
@@ -2722,7 +2729,7 @@
           <p:cNvPr id="7" name="Symbol zastępczy numeru slajdu 6">
             <a:extLst>
               <a:ext uri="{FF2B5EF4-FFF2-40B4-BE49-F238E27FC236}">
-                <a16:creationId xmlns:a16="http://schemas.microsoft.com/office/drawing/2014/main" id="{8A7E8163-FFE8-4F14-B76C-FB23980D8DB9}"/>
+                <a16:creationId xmlns="" xmlns:a16="http://schemas.microsoft.com/office/drawing/2014/main" id="{8A7E8163-FFE8-4F14-B76C-FB23980D8DB9}"/>
               </a:ext>
             </a:extLst>
           </p:cNvPr>
@@ -2786,7 +2793,7 @@
           <p:cNvPr id="2" name="Symbol zastępczy tytułu 1">
             <a:extLst>
               <a:ext uri="{FF2B5EF4-FFF2-40B4-BE49-F238E27FC236}">
-                <a16:creationId xmlns:a16="http://schemas.microsoft.com/office/drawing/2014/main" id="{68A09E92-6244-4CE3-8EFE-AFA66235FB27}"/>
+                <a16:creationId xmlns="" xmlns:a16="http://schemas.microsoft.com/office/drawing/2014/main" id="{68A09E92-6244-4CE3-8EFE-AFA66235FB27}"/>
               </a:ext>
             </a:extLst>
           </p:cNvPr>
@@ -2825,7 +2832,7 @@
           <p:cNvPr id="3" name="Symbol zastępczy tekstu 2">
             <a:extLst>
               <a:ext uri="{FF2B5EF4-FFF2-40B4-BE49-F238E27FC236}">
-                <a16:creationId xmlns:a16="http://schemas.microsoft.com/office/drawing/2014/main" id="{8A0F7577-EC5F-44F5-AA97-B5B502B3C249}"/>
+                <a16:creationId xmlns="" xmlns:a16="http://schemas.microsoft.com/office/drawing/2014/main" id="{8A0F7577-EC5F-44F5-AA97-B5B502B3C249}"/>
               </a:ext>
             </a:extLst>
           </p:cNvPr>
@@ -2893,7 +2900,7 @@
           <p:cNvPr id="4" name="Symbol zastępczy daty 3">
             <a:extLst>
               <a:ext uri="{FF2B5EF4-FFF2-40B4-BE49-F238E27FC236}">
-                <a16:creationId xmlns:a16="http://schemas.microsoft.com/office/drawing/2014/main" id="{5A193746-00DE-46CC-AF71-1C86D2A72415}"/>
+                <a16:creationId xmlns="" xmlns:a16="http://schemas.microsoft.com/office/drawing/2014/main" id="{5A193746-00DE-46CC-AF71-1C86D2A72415}"/>
               </a:ext>
             </a:extLst>
           </p:cNvPr>
@@ -2929,7 +2936,7 @@
           <a:p>
             <a:fld id="{52AC4312-47F2-4411-BF89-B6ED09789093}" type="datetimeFigureOut">
               <a:rPr lang="en-US" smtClean="0"/>
-              <a:t>7/19/2017</a:t>
+              <a:t>8/2/2017</a:t>
             </a:fld>
             <a:endParaRPr lang="en-US"/>
           </a:p>
@@ -2940,7 +2947,7 @@
           <p:cNvPr id="5" name="Symbol zastępczy stopki 4">
             <a:extLst>
               <a:ext uri="{FF2B5EF4-FFF2-40B4-BE49-F238E27FC236}">
-                <a16:creationId xmlns:a16="http://schemas.microsoft.com/office/drawing/2014/main" id="{DBE74F47-40B1-4BF8-86F7-BF453360C2AE}"/>
+                <a16:creationId xmlns="" xmlns:a16="http://schemas.microsoft.com/office/drawing/2014/main" id="{DBE74F47-40B1-4BF8-86F7-BF453360C2AE}"/>
               </a:ext>
             </a:extLst>
           </p:cNvPr>
@@ -2983,7 +2990,7 @@
           <p:cNvPr id="6" name="Symbol zastępczy numeru slajdu 5">
             <a:extLst>
               <a:ext uri="{FF2B5EF4-FFF2-40B4-BE49-F238E27FC236}">
-                <a16:creationId xmlns:a16="http://schemas.microsoft.com/office/drawing/2014/main" id="{AC7073BF-CA90-446A-8763-210781AE90CB}"/>
+                <a16:creationId xmlns="" xmlns:a16="http://schemas.microsoft.com/office/drawing/2014/main" id="{AC7073BF-CA90-446A-8763-210781AE90CB}"/>
               </a:ext>
             </a:extLst>
           </p:cNvPr>
@@ -3348,10 +3355,150 @@
       </p:grpSpPr>
       <p:sp>
         <p:nvSpPr>
+          <p:cNvPr id="2" name="TextBox 1"/>
+          <p:cNvSpPr txBox="1"/>
+          <p:nvPr/>
+        </p:nvSpPr>
+        <p:spPr>
+          <a:xfrm>
+            <a:off x="2190427" y="1529166"/>
+            <a:ext cx="184731" cy="369332"/>
+          </a:xfrm>
+          <a:prstGeom prst="rect">
+            <a:avLst/>
+          </a:prstGeom>
+          <a:noFill/>
+        </p:spPr>
+        <p:txBody>
+          <a:bodyPr wrap="none" rtlCol="0">
+            <a:spAutoFit/>
+          </a:bodyPr>
+          <a:lstStyle/>
+          <a:p>
+            <a:endParaRPr lang="en-ZA" dirty="0"/>
+          </a:p>
+        </p:txBody>
+      </p:sp>
+      <p:sp>
+        <p:nvSpPr>
+          <p:cNvPr id="5" name="Title 4"/>
+          <p:cNvSpPr>
+            <a:spLocks noGrp="1"/>
+          </p:cNvSpPr>
+          <p:nvPr>
+            <p:ph type="title"/>
+          </p:nvPr>
+        </p:nvSpPr>
+        <p:spPr/>
+        <p:txBody>
+          <a:bodyPr/>
+          <a:lstStyle/>
+          <a:p>
+            <a:r>
+              <a:rPr lang="en-ZA" dirty="0" smtClean="0"/>
+              <a:t>Iteration items added</a:t>
+            </a:r>
+            <a:endParaRPr lang="en-ZA" dirty="0"/>
+          </a:p>
+        </p:txBody>
+      </p:sp>
+      <p:sp>
+        <p:nvSpPr>
+          <p:cNvPr id="6" name="Content Placeholder 5"/>
+          <p:cNvSpPr>
+            <a:spLocks noGrp="1"/>
+          </p:cNvSpPr>
+          <p:nvPr>
+            <p:ph idx="1"/>
+          </p:nvPr>
+        </p:nvSpPr>
+        <p:spPr/>
+        <p:txBody>
+          <a:bodyPr/>
+          <a:lstStyle/>
+          <a:p>
+            <a:r>
+              <a:rPr lang="en-ZA" dirty="0" smtClean="0"/>
+              <a:t>Retries graph (List)</a:t>
+            </a:r>
+          </a:p>
+          <a:p>
+            <a:r>
+              <a:rPr lang="en-ZA" dirty="0" smtClean="0"/>
+              <a:t>Queue length graph (List)</a:t>
+            </a:r>
+          </a:p>
+          <a:p>
+            <a:r>
+              <a:rPr lang="en-ZA" dirty="0" smtClean="0"/>
+              <a:t>Select historical time period (5, 10, 15, 30, 60 mins)</a:t>
+            </a:r>
+          </a:p>
+          <a:p>
+            <a:r>
+              <a:rPr lang="en-ZA" dirty="0" smtClean="0"/>
+              <a:t>Failed message counts</a:t>
+            </a:r>
+          </a:p>
+          <a:p>
+            <a:r>
+              <a:rPr lang="en-ZA" dirty="0" smtClean="0"/>
+              <a:t>Throughput graphs</a:t>
+            </a:r>
+          </a:p>
+          <a:p>
+            <a:r>
+              <a:rPr lang="en-ZA" dirty="0" smtClean="0"/>
+              <a:t>Warning icon for no </a:t>
+            </a:r>
+            <a:r>
+              <a:rPr lang="en-ZA" dirty="0" err="1" smtClean="0"/>
+              <a:t>comms</a:t>
+            </a:r>
+            <a:r>
+              <a:rPr lang="en-ZA" dirty="0" smtClean="0"/>
+              <a:t> with endpoint instance</a:t>
+            </a:r>
+            <a:endParaRPr lang="en-ZA" dirty="0"/>
+          </a:p>
+        </p:txBody>
+      </p:sp>
+    </p:spTree>
+    <p:extLst>
+      <p:ext uri="{BB962C8B-B14F-4D97-AF65-F5344CB8AC3E}">
+        <p14:creationId xmlns:p14="http://schemas.microsoft.com/office/powerpoint/2010/main" val="4180916636"/>
+      </p:ext>
+    </p:extLst>
+  </p:cSld>
+  <p:clrMapOvr>
+    <a:masterClrMapping/>
+  </p:clrMapOvr>
+</p:sld>
+</file>
+
+<file path=ppt/slides/slide2.xml><?xml version="1.0" encoding="utf-8"?>
+<p:sld xmlns:a="http://schemas.openxmlformats.org/drawingml/2006/main" xmlns:r="http://schemas.openxmlformats.org/officeDocument/2006/relationships" xmlns:p="http://schemas.openxmlformats.org/presentationml/2006/main">
+  <p:cSld>
+    <p:spTree>
+      <p:nvGrpSpPr>
+        <p:cNvPr id="1" name=""/>
+        <p:cNvGrpSpPr/>
+        <p:nvPr/>
+      </p:nvGrpSpPr>
+      <p:grpSpPr>
+        <a:xfrm>
+          <a:off x="0" y="0"/>
+          <a:ext cx="0" cy="0"/>
+          <a:chOff x="0" y="0"/>
+          <a:chExt cx="0" cy="0"/>
+        </a:xfrm>
+      </p:grpSpPr>
+      <p:sp>
+        <p:nvSpPr>
           <p:cNvPr id="2" name="Prostokąt 1">
             <a:extLst>
               <a:ext uri="{FF2B5EF4-FFF2-40B4-BE49-F238E27FC236}">
-                <a16:creationId xmlns:a16="http://schemas.microsoft.com/office/drawing/2014/main" id="{E9DB6098-0681-422A-8DAD-6EC0602C19D5}"/>
+                <a16:creationId xmlns="" xmlns:a16="http://schemas.microsoft.com/office/drawing/2014/main" id="{E9DB6098-0681-422A-8DAD-6EC0602C19D5}"/>
               </a:ext>
             </a:extLst>
           </p:cNvPr>
@@ -3401,7 +3548,7 @@
           <p:cNvPr id="3" name="Prostokąt 2">
             <a:extLst>
               <a:ext uri="{FF2B5EF4-FFF2-40B4-BE49-F238E27FC236}">
-                <a16:creationId xmlns:a16="http://schemas.microsoft.com/office/drawing/2014/main" id="{0B42199C-8B5F-4219-8945-D52907026180}"/>
+                <a16:creationId xmlns="" xmlns:a16="http://schemas.microsoft.com/office/drawing/2014/main" id="{0B42199C-8B5F-4219-8945-D52907026180}"/>
               </a:ext>
             </a:extLst>
           </p:cNvPr>
@@ -3451,7 +3598,7 @@
           <p:cNvPr id="5" name="Prostokąt 4">
             <a:extLst>
               <a:ext uri="{FF2B5EF4-FFF2-40B4-BE49-F238E27FC236}">
-                <a16:creationId xmlns:a16="http://schemas.microsoft.com/office/drawing/2014/main" id="{3690EA8E-F666-447E-B231-7C1438F53AE9}"/>
+                <a16:creationId xmlns="" xmlns:a16="http://schemas.microsoft.com/office/drawing/2014/main" id="{3690EA8E-F666-447E-B231-7C1438F53AE9}"/>
               </a:ext>
             </a:extLst>
           </p:cNvPr>
@@ -3500,7 +3647,7 @@
           <p:cNvPr id="7" name="Łącznik prosty ze strzałką 6">
             <a:extLst>
               <a:ext uri="{FF2B5EF4-FFF2-40B4-BE49-F238E27FC236}">
-                <a16:creationId xmlns:a16="http://schemas.microsoft.com/office/drawing/2014/main" id="{5F1217E7-5C54-4F7F-BCE9-EF441E367B77}"/>
+                <a16:creationId xmlns="" xmlns:a16="http://schemas.microsoft.com/office/drawing/2014/main" id="{5F1217E7-5C54-4F7F-BCE9-EF441E367B77}"/>
               </a:ext>
             </a:extLst>
           </p:cNvPr>
@@ -3542,7 +3689,7 @@
           <p:cNvPr id="9" name="Łącznik prosty ze strzałką 8">
             <a:extLst>
               <a:ext uri="{FF2B5EF4-FFF2-40B4-BE49-F238E27FC236}">
-                <a16:creationId xmlns:a16="http://schemas.microsoft.com/office/drawing/2014/main" id="{1E5B7330-9301-4AB1-B3D4-1A3AFDD30418}"/>
+                <a16:creationId xmlns="" xmlns:a16="http://schemas.microsoft.com/office/drawing/2014/main" id="{1E5B7330-9301-4AB1-B3D4-1A3AFDD30418}"/>
               </a:ext>
             </a:extLst>
           </p:cNvPr>
@@ -3584,7 +3731,7 @@
           <p:cNvPr id="11" name="Łącznik prosty ze strzałką 10">
             <a:extLst>
               <a:ext uri="{FF2B5EF4-FFF2-40B4-BE49-F238E27FC236}">
-                <a16:creationId xmlns:a16="http://schemas.microsoft.com/office/drawing/2014/main" id="{854C5B34-E5AC-4B4C-9714-E00D98D1052B}"/>
+                <a16:creationId xmlns="" xmlns:a16="http://schemas.microsoft.com/office/drawing/2014/main" id="{854C5B34-E5AC-4B4C-9714-E00D98D1052B}"/>
               </a:ext>
             </a:extLst>
           </p:cNvPr>
@@ -3626,7 +3773,7 @@
           <p:cNvPr id="12" name="pole tekstowe 11">
             <a:extLst>
               <a:ext uri="{FF2B5EF4-FFF2-40B4-BE49-F238E27FC236}">
-                <a16:creationId xmlns:a16="http://schemas.microsoft.com/office/drawing/2014/main" id="{4C5990F4-C41C-48D0-9435-156CEEE48340}"/>
+                <a16:creationId xmlns="" xmlns:a16="http://schemas.microsoft.com/office/drawing/2014/main" id="{4C5990F4-C41C-48D0-9435-156CEEE48340}"/>
               </a:ext>
             </a:extLst>
           </p:cNvPr>
@@ -3669,7 +3816,7 @@
           <p:cNvPr id="13" name="pole tekstowe 12">
             <a:extLst>
               <a:ext uri="{FF2B5EF4-FFF2-40B4-BE49-F238E27FC236}">
-                <a16:creationId xmlns:a16="http://schemas.microsoft.com/office/drawing/2014/main" id="{428E0A29-7FEB-4ADE-9DAA-3C484767D171}"/>
+                <a16:creationId xmlns="" xmlns:a16="http://schemas.microsoft.com/office/drawing/2014/main" id="{428E0A29-7FEB-4ADE-9DAA-3C484767D171}"/>
               </a:ext>
             </a:extLst>
           </p:cNvPr>
@@ -3712,7 +3859,7 @@
           <p:cNvPr id="15" name="pole tekstowe 14">
             <a:extLst>
               <a:ext uri="{FF2B5EF4-FFF2-40B4-BE49-F238E27FC236}">
-                <a16:creationId xmlns:a16="http://schemas.microsoft.com/office/drawing/2014/main" id="{9324512C-47E6-4E63-BE44-C9DABAFF2D37}"/>
+                <a16:creationId xmlns="" xmlns:a16="http://schemas.microsoft.com/office/drawing/2014/main" id="{9324512C-47E6-4E63-BE44-C9DABAFF2D37}"/>
               </a:ext>
             </a:extLst>
           </p:cNvPr>
@@ -3759,7 +3906,7 @@
           <p:cNvPr id="16" name="Prostokąt 15">
             <a:extLst>
               <a:ext uri="{FF2B5EF4-FFF2-40B4-BE49-F238E27FC236}">
-                <a16:creationId xmlns:a16="http://schemas.microsoft.com/office/drawing/2014/main" id="{3289A138-A86B-4EE4-A7BE-7B6E6EB122D8}"/>
+                <a16:creationId xmlns="" xmlns:a16="http://schemas.microsoft.com/office/drawing/2014/main" id="{3289A138-A86B-4EE4-A7BE-7B6E6EB122D8}"/>
               </a:ext>
             </a:extLst>
           </p:cNvPr>
@@ -3809,7 +3956,7 @@
           <p:cNvPr id="17" name="Prostokąt 16">
             <a:extLst>
               <a:ext uri="{FF2B5EF4-FFF2-40B4-BE49-F238E27FC236}">
-                <a16:creationId xmlns:a16="http://schemas.microsoft.com/office/drawing/2014/main" id="{A602F135-1C96-4E58-9207-3218A3A4CBFA}"/>
+                <a16:creationId xmlns="" xmlns:a16="http://schemas.microsoft.com/office/drawing/2014/main" id="{A602F135-1C96-4E58-9207-3218A3A4CBFA}"/>
               </a:ext>
             </a:extLst>
           </p:cNvPr>
@@ -3859,7 +4006,7 @@
           <p:cNvPr id="18" name="Prostokąt 17">
             <a:extLst>
               <a:ext uri="{FF2B5EF4-FFF2-40B4-BE49-F238E27FC236}">
-                <a16:creationId xmlns:a16="http://schemas.microsoft.com/office/drawing/2014/main" id="{F7A044CA-04F7-42DF-AAA4-D1670EB1B7F3}"/>
+                <a16:creationId xmlns="" xmlns:a16="http://schemas.microsoft.com/office/drawing/2014/main" id="{F7A044CA-04F7-42DF-AAA4-D1670EB1B7F3}"/>
               </a:ext>
             </a:extLst>
           </p:cNvPr>
@@ -3908,7 +4055,7 @@
           <p:cNvPr id="20" name="Łącznik prosty ze strzałką 19">
             <a:extLst>
               <a:ext uri="{FF2B5EF4-FFF2-40B4-BE49-F238E27FC236}">
-                <a16:creationId xmlns:a16="http://schemas.microsoft.com/office/drawing/2014/main" id="{9A89D156-E5FA-4CC3-94A7-959F77E67CF8}"/>
+                <a16:creationId xmlns="" xmlns:a16="http://schemas.microsoft.com/office/drawing/2014/main" id="{9A89D156-E5FA-4CC3-94A7-959F77E67CF8}"/>
               </a:ext>
             </a:extLst>
           </p:cNvPr>
@@ -3950,7 +4097,7 @@
           <p:cNvPr id="22" name="Łącznik prosty ze strzałką 21">
             <a:extLst>
               <a:ext uri="{FF2B5EF4-FFF2-40B4-BE49-F238E27FC236}">
-                <a16:creationId xmlns:a16="http://schemas.microsoft.com/office/drawing/2014/main" id="{BC9805E7-2631-45F7-8923-A6E1335BFDD6}"/>
+                <a16:creationId xmlns="" xmlns:a16="http://schemas.microsoft.com/office/drawing/2014/main" id="{BC9805E7-2631-45F7-8923-A6E1335BFDD6}"/>
               </a:ext>
             </a:extLst>
           </p:cNvPr>
@@ -3992,7 +4139,7 @@
           <p:cNvPr id="24" name="Łącznik prosty ze strzałką 23">
             <a:extLst>
               <a:ext uri="{FF2B5EF4-FFF2-40B4-BE49-F238E27FC236}">
-                <a16:creationId xmlns:a16="http://schemas.microsoft.com/office/drawing/2014/main" id="{B4ACA9CE-7988-4161-AC8C-FD45C2B8217F}"/>
+                <a16:creationId xmlns="" xmlns:a16="http://schemas.microsoft.com/office/drawing/2014/main" id="{B4ACA9CE-7988-4161-AC8C-FD45C2B8217F}"/>
               </a:ext>
             </a:extLst>
           </p:cNvPr>
@@ -4034,7 +4181,7 @@
           <p:cNvPr id="26" name="Łącznik prosty ze strzałką 25">
             <a:extLst>
               <a:ext uri="{FF2B5EF4-FFF2-40B4-BE49-F238E27FC236}">
-                <a16:creationId xmlns:a16="http://schemas.microsoft.com/office/drawing/2014/main" id="{FE31CEEB-E2A2-49BC-8487-18DCD177F7AE}"/>
+                <a16:creationId xmlns="" xmlns:a16="http://schemas.microsoft.com/office/drawing/2014/main" id="{FE31CEEB-E2A2-49BC-8487-18DCD177F7AE}"/>
               </a:ext>
             </a:extLst>
           </p:cNvPr>
@@ -4076,7 +4223,7 @@
           <p:cNvPr id="4" name="Prostokąt 3">
             <a:extLst>
               <a:ext uri="{FF2B5EF4-FFF2-40B4-BE49-F238E27FC236}">
-                <a16:creationId xmlns:a16="http://schemas.microsoft.com/office/drawing/2014/main" id="{77B8EA18-A4D3-4950-BF57-5DED7C2B1536}"/>
+                <a16:creationId xmlns="" xmlns:a16="http://schemas.microsoft.com/office/drawing/2014/main" id="{77B8EA18-A4D3-4950-BF57-5DED7C2B1536}"/>
               </a:ext>
             </a:extLst>
           </p:cNvPr>
@@ -4126,7 +4273,7 @@
           <p:cNvPr id="28" name="Łącznik prosty ze strzałką 27">
             <a:extLst>
               <a:ext uri="{FF2B5EF4-FFF2-40B4-BE49-F238E27FC236}">
-                <a16:creationId xmlns:a16="http://schemas.microsoft.com/office/drawing/2014/main" id="{1C8E08B1-3761-4BE5-B72D-0D5B217CE5AE}"/>
+                <a16:creationId xmlns="" xmlns:a16="http://schemas.microsoft.com/office/drawing/2014/main" id="{1C8E08B1-3761-4BE5-B72D-0D5B217CE5AE}"/>
               </a:ext>
             </a:extLst>
           </p:cNvPr>
@@ -4173,6 +4320,1145 @@
   <p:clrMapOvr>
     <a:masterClrMapping/>
   </p:clrMapOvr>
+  <p:timing>
+    <p:tnLst>
+      <p:par>
+        <p:cTn id="1" dur="indefinite" restart="never" nodeType="tmRoot"/>
+      </p:par>
+    </p:tnLst>
+  </p:timing>
+</p:sld>
+</file>
+
+<file path=ppt/slides/slide3.xml><?xml version="1.0" encoding="utf-8"?>
+<p:sld xmlns:a="http://schemas.openxmlformats.org/drawingml/2006/main" xmlns:r="http://schemas.openxmlformats.org/officeDocument/2006/relationships" xmlns:p="http://schemas.openxmlformats.org/presentationml/2006/main">
+  <p:cSld>
+    <p:spTree>
+      <p:nvGrpSpPr>
+        <p:cNvPr id="1" name=""/>
+        <p:cNvGrpSpPr/>
+        <p:nvPr/>
+      </p:nvGrpSpPr>
+      <p:grpSpPr>
+        <a:xfrm>
+          <a:off x="0" y="0"/>
+          <a:ext cx="0" cy="0"/>
+          <a:chOff x="0" y="0"/>
+          <a:chExt cx="0" cy="0"/>
+        </a:xfrm>
+      </p:grpSpPr>
+      <p:sp>
+        <p:nvSpPr>
+          <p:cNvPr id="2" name="Prostokąt 1">
+            <a:extLst>
+              <a:ext uri="{FF2B5EF4-FFF2-40B4-BE49-F238E27FC236}">
+                <a16:creationId xmlns="" xmlns:a16="http://schemas.microsoft.com/office/drawing/2014/main" id="{E9DB6098-0681-422A-8DAD-6EC0602C19D5}"/>
+              </a:ext>
+            </a:extLst>
+          </p:cNvPr>
+          <p:cNvSpPr/>
+          <p:nvPr/>
+        </p:nvSpPr>
+        <p:spPr>
+          <a:xfrm>
+            <a:off x="2144295" y="1868905"/>
+            <a:ext cx="1588168" cy="866273"/>
+          </a:xfrm>
+          <a:prstGeom prst="rect">
+            <a:avLst/>
+          </a:prstGeom>
+        </p:spPr>
+        <p:style>
+          <a:lnRef idx="2">
+            <a:schemeClr val="accent1">
+              <a:shade val="50000"/>
+            </a:schemeClr>
+          </a:lnRef>
+          <a:fillRef idx="1">
+            <a:schemeClr val="accent1"/>
+          </a:fillRef>
+          <a:effectRef idx="0">
+            <a:schemeClr val="accent1"/>
+          </a:effectRef>
+          <a:fontRef idx="minor">
+            <a:schemeClr val="lt1"/>
+          </a:fontRef>
+        </p:style>
+        <p:txBody>
+          <a:bodyPr rtlCol="0" anchor="ctr"/>
+          <a:lstStyle/>
+          <a:p>
+            <a:pPr algn="ctr"/>
+            <a:r>
+              <a:rPr lang="en-US"/>
+              <a:t>Publisher</a:t>
+            </a:r>
+            <a:endParaRPr lang="en-US" dirty="0"/>
+          </a:p>
+        </p:txBody>
+      </p:sp>
+      <p:sp>
+        <p:nvSpPr>
+          <p:cNvPr id="3" name="Prostokąt 2">
+            <a:extLst>
+              <a:ext uri="{FF2B5EF4-FFF2-40B4-BE49-F238E27FC236}">
+                <a16:creationId xmlns="" xmlns:a16="http://schemas.microsoft.com/office/drawing/2014/main" id="{0B42199C-8B5F-4219-8945-D52907026180}"/>
+              </a:ext>
+            </a:extLst>
+          </p:cNvPr>
+          <p:cNvSpPr/>
+          <p:nvPr/>
+        </p:nvSpPr>
+        <p:spPr>
+          <a:xfrm>
+            <a:off x="5670885" y="1130969"/>
+            <a:ext cx="1588168" cy="866273"/>
+          </a:xfrm>
+          <a:prstGeom prst="rect">
+            <a:avLst/>
+          </a:prstGeom>
+        </p:spPr>
+        <p:style>
+          <a:lnRef idx="2">
+            <a:schemeClr val="accent1">
+              <a:shade val="50000"/>
+            </a:schemeClr>
+          </a:lnRef>
+          <a:fillRef idx="1">
+            <a:schemeClr val="accent1"/>
+          </a:fillRef>
+          <a:effectRef idx="0">
+            <a:schemeClr val="accent1"/>
+          </a:effectRef>
+          <a:fontRef idx="minor">
+            <a:schemeClr val="lt1"/>
+          </a:fontRef>
+        </p:style>
+        <p:txBody>
+          <a:bodyPr rtlCol="0" anchor="ctr"/>
+          <a:lstStyle/>
+          <a:p>
+            <a:pPr algn="ctr"/>
+            <a:r>
+              <a:rPr lang="en-US" dirty="0" err="1"/>
+              <a:t>Subscriber.A</a:t>
+            </a:r>
+            <a:endParaRPr lang="en-US" dirty="0"/>
+          </a:p>
+        </p:txBody>
+      </p:sp>
+      <p:sp>
+        <p:nvSpPr>
+          <p:cNvPr id="5" name="Prostokąt 4">
+            <a:extLst>
+              <a:ext uri="{FF2B5EF4-FFF2-40B4-BE49-F238E27FC236}">
+                <a16:creationId xmlns="" xmlns:a16="http://schemas.microsoft.com/office/drawing/2014/main" id="{3690EA8E-F666-447E-B231-7C1438F53AE9}"/>
+              </a:ext>
+            </a:extLst>
+          </p:cNvPr>
+          <p:cNvSpPr/>
+          <p:nvPr/>
+        </p:nvSpPr>
+        <p:spPr>
+          <a:xfrm>
+            <a:off x="4449011" y="2181726"/>
+            <a:ext cx="775368" cy="240632"/>
+          </a:xfrm>
+          <a:prstGeom prst="rect">
+            <a:avLst/>
+          </a:prstGeom>
+        </p:spPr>
+        <p:style>
+          <a:lnRef idx="2">
+            <a:schemeClr val="accent1">
+              <a:shade val="50000"/>
+            </a:schemeClr>
+          </a:lnRef>
+          <a:fillRef idx="1">
+            <a:schemeClr val="accent1"/>
+          </a:fillRef>
+          <a:effectRef idx="0">
+            <a:schemeClr val="accent1"/>
+          </a:effectRef>
+          <a:fontRef idx="minor">
+            <a:schemeClr val="lt1"/>
+          </a:fontRef>
+        </p:style>
+        <p:txBody>
+          <a:bodyPr rtlCol="0" anchor="ctr"/>
+          <a:lstStyle/>
+          <a:p>
+            <a:pPr algn="ctr"/>
+            <a:r>
+              <a:rPr lang="en-US" dirty="0"/>
+              <a:t>Q</a:t>
+            </a:r>
+          </a:p>
+        </p:txBody>
+      </p:sp>
+      <p:cxnSp>
+        <p:nvCxnSpPr>
+          <p:cNvPr id="7" name="Łącznik prosty ze strzałką 6">
+            <a:extLst>
+              <a:ext uri="{FF2B5EF4-FFF2-40B4-BE49-F238E27FC236}">
+                <a16:creationId xmlns="" xmlns:a16="http://schemas.microsoft.com/office/drawing/2014/main" id="{5F1217E7-5C54-4F7F-BCE9-EF441E367B77}"/>
+              </a:ext>
+            </a:extLst>
+          </p:cNvPr>
+          <p:cNvCxnSpPr>
+            <a:stCxn id="2" idx="3"/>
+            <a:endCxn id="5" idx="1"/>
+          </p:cNvCxnSpPr>
+          <p:nvPr/>
+        </p:nvCxnSpPr>
+        <p:spPr>
+          <a:xfrm>
+            <a:off x="3732463" y="2302042"/>
+            <a:ext cx="716548" cy="0"/>
+          </a:xfrm>
+          <a:prstGeom prst="straightConnector1">
+            <a:avLst/>
+          </a:prstGeom>
+          <a:ln>
+            <a:tailEnd type="triangle"/>
+          </a:ln>
+        </p:spPr>
+        <p:style>
+          <a:lnRef idx="3">
+            <a:schemeClr val="accent1"/>
+          </a:lnRef>
+          <a:fillRef idx="0">
+            <a:schemeClr val="accent1"/>
+          </a:fillRef>
+          <a:effectRef idx="2">
+            <a:schemeClr val="accent1"/>
+          </a:effectRef>
+          <a:fontRef idx="minor">
+            <a:schemeClr val="tx1"/>
+          </a:fontRef>
+        </p:style>
+      </p:cxnSp>
+      <p:cxnSp>
+        <p:nvCxnSpPr>
+          <p:cNvPr id="9" name="Łącznik prosty ze strzałką 8">
+            <a:extLst>
+              <a:ext uri="{FF2B5EF4-FFF2-40B4-BE49-F238E27FC236}">
+                <a16:creationId xmlns="" xmlns:a16="http://schemas.microsoft.com/office/drawing/2014/main" id="{1E5B7330-9301-4AB1-B3D4-1A3AFDD30418}"/>
+              </a:ext>
+            </a:extLst>
+          </p:cNvPr>
+          <p:cNvCxnSpPr>
+            <a:stCxn id="5" idx="3"/>
+            <a:endCxn id="3" idx="1"/>
+          </p:cNvCxnSpPr>
+          <p:nvPr/>
+        </p:nvCxnSpPr>
+        <p:spPr>
+          <a:xfrm flipV="1">
+            <a:off x="5224379" y="1564106"/>
+            <a:ext cx="446506" cy="737936"/>
+          </a:xfrm>
+          <a:prstGeom prst="straightConnector1">
+            <a:avLst/>
+          </a:prstGeom>
+          <a:ln>
+            <a:tailEnd type="triangle"/>
+          </a:ln>
+        </p:spPr>
+        <p:style>
+          <a:lnRef idx="3">
+            <a:schemeClr val="accent1"/>
+          </a:lnRef>
+          <a:fillRef idx="0">
+            <a:schemeClr val="accent1"/>
+          </a:fillRef>
+          <a:effectRef idx="2">
+            <a:schemeClr val="accent1"/>
+          </a:effectRef>
+          <a:fontRef idx="minor">
+            <a:schemeClr val="tx1"/>
+          </a:fontRef>
+        </p:style>
+      </p:cxnSp>
+      <p:cxnSp>
+        <p:nvCxnSpPr>
+          <p:cNvPr id="11" name="Łącznik prosty ze strzałką 10">
+            <a:extLst>
+              <a:ext uri="{FF2B5EF4-FFF2-40B4-BE49-F238E27FC236}">
+                <a16:creationId xmlns="" xmlns:a16="http://schemas.microsoft.com/office/drawing/2014/main" id="{854C5B34-E5AC-4B4C-9714-E00D98D1052B}"/>
+              </a:ext>
+            </a:extLst>
+          </p:cNvPr>
+          <p:cNvCxnSpPr>
+            <a:stCxn id="5" idx="3"/>
+            <a:endCxn id="4" idx="1"/>
+          </p:cNvCxnSpPr>
+          <p:nvPr/>
+        </p:nvCxnSpPr>
+        <p:spPr>
+          <a:xfrm>
+            <a:off x="5224379" y="2302042"/>
+            <a:ext cx="446506" cy="647032"/>
+          </a:xfrm>
+          <a:prstGeom prst="straightConnector1">
+            <a:avLst/>
+          </a:prstGeom>
+          <a:ln>
+            <a:tailEnd type="triangle"/>
+          </a:ln>
+        </p:spPr>
+        <p:style>
+          <a:lnRef idx="3">
+            <a:schemeClr val="accent1"/>
+          </a:lnRef>
+          <a:fillRef idx="0">
+            <a:schemeClr val="accent1"/>
+          </a:fillRef>
+          <a:effectRef idx="2">
+            <a:schemeClr val="accent1"/>
+          </a:effectRef>
+          <a:fontRef idx="minor">
+            <a:schemeClr val="tx1"/>
+          </a:fontRef>
+        </p:style>
+      </p:cxnSp>
+      <p:sp>
+        <p:nvSpPr>
+          <p:cNvPr id="12" name="pole tekstowe 11">
+            <a:extLst>
+              <a:ext uri="{FF2B5EF4-FFF2-40B4-BE49-F238E27FC236}">
+                <a16:creationId xmlns="" xmlns:a16="http://schemas.microsoft.com/office/drawing/2014/main" id="{4C5990F4-C41C-48D0-9435-156CEEE48340}"/>
+              </a:ext>
+            </a:extLst>
+          </p:cNvPr>
+          <p:cNvSpPr txBox="1"/>
+          <p:nvPr/>
+        </p:nvSpPr>
+        <p:spPr>
+          <a:xfrm>
+            <a:off x="7422148" y="1176422"/>
+            <a:ext cx="1903663" cy="276999"/>
+          </a:xfrm>
+          <a:prstGeom prst="rect">
+            <a:avLst/>
+          </a:prstGeom>
+          <a:noFill/>
+        </p:spPr>
+        <p:txBody>
+          <a:bodyPr wrap="square" rtlCol="0">
+            <a:spAutoFit/>
+          </a:bodyPr>
+          <a:lstStyle/>
+          <a:p>
+            <a:r>
+              <a:rPr lang="en-US" sz="1200" dirty="0"/>
+              <a:t>100 </a:t>
+            </a:r>
+            <a:r>
+              <a:rPr lang="en-US" sz="1200" dirty="0" err="1"/>
+              <a:t>ms</a:t>
+            </a:r>
+            <a:r>
+              <a:rPr lang="en-US" sz="1200" dirty="0"/>
+              <a:t> in the handler</a:t>
+            </a:r>
+          </a:p>
+        </p:txBody>
+      </p:sp>
+      <p:sp>
+        <p:nvSpPr>
+          <p:cNvPr id="13" name="pole tekstowe 12">
+            <a:extLst>
+              <a:ext uri="{FF2B5EF4-FFF2-40B4-BE49-F238E27FC236}">
+                <a16:creationId xmlns="" xmlns:a16="http://schemas.microsoft.com/office/drawing/2014/main" id="{428E0A29-7FEB-4ADE-9DAA-3C484767D171}"/>
+              </a:ext>
+            </a:extLst>
+          </p:cNvPr>
+          <p:cNvSpPr txBox="1"/>
+          <p:nvPr/>
+        </p:nvSpPr>
+        <p:spPr>
+          <a:xfrm>
+            <a:off x="7371347" y="2515937"/>
+            <a:ext cx="1903663" cy="276999"/>
+          </a:xfrm>
+          <a:prstGeom prst="rect">
+            <a:avLst/>
+          </a:prstGeom>
+          <a:noFill/>
+        </p:spPr>
+        <p:txBody>
+          <a:bodyPr wrap="square" rtlCol="0">
+            <a:spAutoFit/>
+          </a:bodyPr>
+          <a:lstStyle/>
+          <a:p>
+            <a:r>
+              <a:rPr lang="en-US" sz="1200" dirty="0"/>
+              <a:t>2000 </a:t>
+            </a:r>
+            <a:r>
+              <a:rPr lang="en-US" sz="1200" dirty="0" err="1"/>
+              <a:t>ms</a:t>
+            </a:r>
+            <a:r>
+              <a:rPr lang="en-US" sz="1200" dirty="0"/>
+              <a:t> in the handler</a:t>
+            </a:r>
+          </a:p>
+        </p:txBody>
+      </p:sp>
+      <p:sp>
+        <p:nvSpPr>
+          <p:cNvPr id="15" name="pole tekstowe 14">
+            <a:extLst>
+              <a:ext uri="{FF2B5EF4-FFF2-40B4-BE49-F238E27FC236}">
+                <a16:creationId xmlns="" xmlns:a16="http://schemas.microsoft.com/office/drawing/2014/main" id="{9324512C-47E6-4E63-BE44-C9DABAFF2D37}"/>
+              </a:ext>
+            </a:extLst>
+          </p:cNvPr>
+          <p:cNvSpPr txBox="1"/>
+          <p:nvPr/>
+        </p:nvSpPr>
+        <p:spPr>
+          <a:xfrm>
+            <a:off x="1276683" y="586238"/>
+            <a:ext cx="2986507" cy="830997"/>
+          </a:xfrm>
+          <a:prstGeom prst="rect">
+            <a:avLst/>
+          </a:prstGeom>
+          <a:noFill/>
+        </p:spPr>
+        <p:txBody>
+          <a:bodyPr wrap="square" rtlCol="0">
+            <a:spAutoFit/>
+          </a:bodyPr>
+          <a:lstStyle/>
+          <a:p>
+            <a:r>
+              <a:rPr lang="en-US" sz="1200" dirty="0"/>
+              <a:t>MSMQ</a:t>
+            </a:r>
+          </a:p>
+          <a:p>
+            <a:r>
+              <a:rPr lang="en-US" sz="1200" dirty="0"/>
+              <a:t>Single event</a:t>
+            </a:r>
+          </a:p>
+          <a:p>
+            <a:r>
+              <a:rPr lang="en-US" sz="1200" dirty="0"/>
+              <a:t>Scaled-out, competing-consumer </a:t>
+            </a:r>
+            <a:r>
+              <a:rPr lang="en-US" sz="1200" dirty="0" smtClean="0"/>
+              <a:t>subscriber</a:t>
+            </a:r>
+          </a:p>
+          <a:p>
+            <a:r>
+              <a:rPr lang="en-US" sz="1200" dirty="0" smtClean="0"/>
+              <a:t>FLR set to 1, SLR disabled</a:t>
+            </a:r>
+            <a:endParaRPr lang="en-US" sz="1200" dirty="0"/>
+          </a:p>
+        </p:txBody>
+      </p:sp>
+      <p:sp>
+        <p:nvSpPr>
+          <p:cNvPr id="16" name="Prostokąt 15">
+            <a:extLst>
+              <a:ext uri="{FF2B5EF4-FFF2-40B4-BE49-F238E27FC236}">
+                <a16:creationId xmlns="" xmlns:a16="http://schemas.microsoft.com/office/drawing/2014/main" id="{3289A138-A86B-4EE4-A7BE-7B6E6EB122D8}"/>
+              </a:ext>
+            </a:extLst>
+          </p:cNvPr>
+          <p:cNvSpPr/>
+          <p:nvPr/>
+        </p:nvSpPr>
+        <p:spPr>
+          <a:xfrm>
+            <a:off x="6464969" y="4678947"/>
+            <a:ext cx="1588168" cy="866273"/>
+          </a:xfrm>
+          <a:prstGeom prst="rect">
+            <a:avLst/>
+          </a:prstGeom>
+        </p:spPr>
+        <p:style>
+          <a:lnRef idx="2">
+            <a:schemeClr val="accent6">
+              <a:shade val="50000"/>
+            </a:schemeClr>
+          </a:lnRef>
+          <a:fillRef idx="1">
+            <a:schemeClr val="accent6"/>
+          </a:fillRef>
+          <a:effectRef idx="0">
+            <a:schemeClr val="accent6"/>
+          </a:effectRef>
+          <a:fontRef idx="minor">
+            <a:schemeClr val="lt1"/>
+          </a:fontRef>
+        </p:style>
+        <p:txBody>
+          <a:bodyPr rtlCol="0" anchor="ctr"/>
+          <a:lstStyle/>
+          <a:p>
+            <a:pPr algn="ctr"/>
+            <a:r>
+              <a:rPr lang="en-US" dirty="0" err="1"/>
+              <a:t>SC.Monitoring</a:t>
+            </a:r>
+            <a:endParaRPr lang="en-US" dirty="0"/>
+          </a:p>
+        </p:txBody>
+      </p:sp>
+      <p:sp>
+        <p:nvSpPr>
+          <p:cNvPr id="17" name="Prostokąt 16">
+            <a:extLst>
+              <a:ext uri="{FF2B5EF4-FFF2-40B4-BE49-F238E27FC236}">
+                <a16:creationId xmlns="" xmlns:a16="http://schemas.microsoft.com/office/drawing/2014/main" id="{A602F135-1C96-4E58-9207-3218A3A4CBFA}"/>
+              </a:ext>
+            </a:extLst>
+          </p:cNvPr>
+          <p:cNvSpPr/>
+          <p:nvPr/>
+        </p:nvSpPr>
+        <p:spPr>
+          <a:xfrm>
+            <a:off x="9325811" y="4678947"/>
+            <a:ext cx="1588168" cy="866273"/>
+          </a:xfrm>
+          <a:prstGeom prst="rect">
+            <a:avLst/>
+          </a:prstGeom>
+        </p:spPr>
+        <p:style>
+          <a:lnRef idx="2">
+            <a:schemeClr val="accent6">
+              <a:shade val="50000"/>
+            </a:schemeClr>
+          </a:lnRef>
+          <a:fillRef idx="1">
+            <a:schemeClr val="accent6"/>
+          </a:fillRef>
+          <a:effectRef idx="0">
+            <a:schemeClr val="accent6"/>
+          </a:effectRef>
+          <a:fontRef idx="minor">
+            <a:schemeClr val="lt1"/>
+          </a:fontRef>
+        </p:style>
+        <p:txBody>
+          <a:bodyPr rtlCol="0" anchor="ctr"/>
+          <a:lstStyle/>
+          <a:p>
+            <a:pPr algn="ctr"/>
+            <a:r>
+              <a:rPr lang="en-US" dirty="0" err="1"/>
+              <a:t>ServicePulse</a:t>
+            </a:r>
+            <a:endParaRPr lang="en-US" dirty="0"/>
+          </a:p>
+        </p:txBody>
+      </p:sp>
+      <p:sp>
+        <p:nvSpPr>
+          <p:cNvPr id="18" name="Prostokąt 17">
+            <a:extLst>
+              <a:ext uri="{FF2B5EF4-FFF2-40B4-BE49-F238E27FC236}">
+                <a16:creationId xmlns="" xmlns:a16="http://schemas.microsoft.com/office/drawing/2014/main" id="{F7A044CA-04F7-42DF-AAA4-D1670EB1B7F3}"/>
+              </a:ext>
+            </a:extLst>
+          </p:cNvPr>
+          <p:cNvSpPr/>
+          <p:nvPr/>
+        </p:nvSpPr>
+        <p:spPr>
+          <a:xfrm>
+            <a:off x="5347369" y="4991767"/>
+            <a:ext cx="775368" cy="240632"/>
+          </a:xfrm>
+          <a:prstGeom prst="rect">
+            <a:avLst/>
+          </a:prstGeom>
+        </p:spPr>
+        <p:style>
+          <a:lnRef idx="2">
+            <a:schemeClr val="accent6">
+              <a:shade val="50000"/>
+            </a:schemeClr>
+          </a:lnRef>
+          <a:fillRef idx="1">
+            <a:schemeClr val="accent6"/>
+          </a:fillRef>
+          <a:effectRef idx="0">
+            <a:schemeClr val="accent6"/>
+          </a:effectRef>
+          <a:fontRef idx="minor">
+            <a:schemeClr val="lt1"/>
+          </a:fontRef>
+        </p:style>
+        <p:txBody>
+          <a:bodyPr rtlCol="0" anchor="ctr"/>
+          <a:lstStyle/>
+          <a:p>
+            <a:pPr algn="ctr"/>
+            <a:r>
+              <a:rPr lang="en-US" dirty="0"/>
+              <a:t>Q</a:t>
+            </a:r>
+          </a:p>
+        </p:txBody>
+      </p:sp>
+      <p:cxnSp>
+        <p:nvCxnSpPr>
+          <p:cNvPr id="20" name="Łącznik prosty ze strzałką 19">
+            <a:extLst>
+              <a:ext uri="{FF2B5EF4-FFF2-40B4-BE49-F238E27FC236}">
+                <a16:creationId xmlns="" xmlns:a16="http://schemas.microsoft.com/office/drawing/2014/main" id="{9A89D156-E5FA-4CC3-94A7-959F77E67CF8}"/>
+              </a:ext>
+            </a:extLst>
+          </p:cNvPr>
+          <p:cNvCxnSpPr>
+            <a:stCxn id="2" idx="2"/>
+            <a:endCxn id="18" idx="1"/>
+          </p:cNvCxnSpPr>
+          <p:nvPr/>
+        </p:nvCxnSpPr>
+        <p:spPr>
+          <a:xfrm>
+            <a:off x="2938379" y="2735178"/>
+            <a:ext cx="2408990" cy="2376905"/>
+          </a:xfrm>
+          <a:prstGeom prst="straightConnector1">
+            <a:avLst/>
+          </a:prstGeom>
+          <a:ln>
+            <a:tailEnd type="triangle"/>
+          </a:ln>
+        </p:spPr>
+        <p:style>
+          <a:lnRef idx="3">
+            <a:schemeClr val="accent6"/>
+          </a:lnRef>
+          <a:fillRef idx="0">
+            <a:schemeClr val="accent6"/>
+          </a:fillRef>
+          <a:effectRef idx="2">
+            <a:schemeClr val="accent6"/>
+          </a:effectRef>
+          <a:fontRef idx="minor">
+            <a:schemeClr val="tx1"/>
+          </a:fontRef>
+        </p:style>
+      </p:cxnSp>
+      <p:cxnSp>
+        <p:nvCxnSpPr>
+          <p:cNvPr id="22" name="Łącznik prosty ze strzałką 21">
+            <a:extLst>
+              <a:ext uri="{FF2B5EF4-FFF2-40B4-BE49-F238E27FC236}">
+                <a16:creationId xmlns="" xmlns:a16="http://schemas.microsoft.com/office/drawing/2014/main" id="{BC9805E7-2631-45F7-8923-A6E1335BFDD6}"/>
+              </a:ext>
+            </a:extLst>
+          </p:cNvPr>
+          <p:cNvCxnSpPr>
+            <a:stCxn id="4" idx="2"/>
+            <a:endCxn id="18" idx="1"/>
+          </p:cNvCxnSpPr>
+          <p:nvPr/>
+        </p:nvCxnSpPr>
+        <p:spPr>
+          <a:xfrm flipH="1">
+            <a:off x="5347369" y="3382210"/>
+            <a:ext cx="1117600" cy="1729873"/>
+          </a:xfrm>
+          <a:prstGeom prst="straightConnector1">
+            <a:avLst/>
+          </a:prstGeom>
+          <a:ln>
+            <a:tailEnd type="triangle"/>
+          </a:ln>
+        </p:spPr>
+        <p:style>
+          <a:lnRef idx="3">
+            <a:schemeClr val="accent6"/>
+          </a:lnRef>
+          <a:fillRef idx="0">
+            <a:schemeClr val="accent6"/>
+          </a:fillRef>
+          <a:effectRef idx="2">
+            <a:schemeClr val="accent6"/>
+          </a:effectRef>
+          <a:fontRef idx="minor">
+            <a:schemeClr val="tx1"/>
+          </a:fontRef>
+        </p:style>
+      </p:cxnSp>
+      <p:cxnSp>
+        <p:nvCxnSpPr>
+          <p:cNvPr id="24" name="Łącznik prosty ze strzałką 23">
+            <a:extLst>
+              <a:ext uri="{FF2B5EF4-FFF2-40B4-BE49-F238E27FC236}">
+                <a16:creationId xmlns="" xmlns:a16="http://schemas.microsoft.com/office/drawing/2014/main" id="{B4ACA9CE-7988-4161-AC8C-FD45C2B8217F}"/>
+              </a:ext>
+            </a:extLst>
+          </p:cNvPr>
+          <p:cNvCxnSpPr>
+            <a:stCxn id="3" idx="2"/>
+            <a:endCxn id="18" idx="1"/>
+          </p:cNvCxnSpPr>
+          <p:nvPr/>
+        </p:nvCxnSpPr>
+        <p:spPr>
+          <a:xfrm flipH="1">
+            <a:off x="5347369" y="1997242"/>
+            <a:ext cx="1117600" cy="3114841"/>
+          </a:xfrm>
+          <a:prstGeom prst="straightConnector1">
+            <a:avLst/>
+          </a:prstGeom>
+          <a:ln>
+            <a:tailEnd type="triangle"/>
+          </a:ln>
+        </p:spPr>
+        <p:style>
+          <a:lnRef idx="3">
+            <a:schemeClr val="accent6"/>
+          </a:lnRef>
+          <a:fillRef idx="0">
+            <a:schemeClr val="accent6"/>
+          </a:fillRef>
+          <a:effectRef idx="2">
+            <a:schemeClr val="accent6"/>
+          </a:effectRef>
+          <a:fontRef idx="minor">
+            <a:schemeClr val="tx1"/>
+          </a:fontRef>
+        </p:style>
+      </p:cxnSp>
+      <p:cxnSp>
+        <p:nvCxnSpPr>
+          <p:cNvPr id="26" name="Łącznik prosty ze strzałką 25">
+            <a:extLst>
+              <a:ext uri="{FF2B5EF4-FFF2-40B4-BE49-F238E27FC236}">
+                <a16:creationId xmlns="" xmlns:a16="http://schemas.microsoft.com/office/drawing/2014/main" id="{FE31CEEB-E2A2-49BC-8487-18DCD177F7AE}"/>
+              </a:ext>
+            </a:extLst>
+          </p:cNvPr>
+          <p:cNvCxnSpPr>
+            <a:stCxn id="18" idx="3"/>
+            <a:endCxn id="16" idx="1"/>
+          </p:cNvCxnSpPr>
+          <p:nvPr/>
+        </p:nvCxnSpPr>
+        <p:spPr>
+          <a:xfrm>
+            <a:off x="6122737" y="5112083"/>
+            <a:ext cx="342232" cy="1"/>
+          </a:xfrm>
+          <a:prstGeom prst="straightConnector1">
+            <a:avLst/>
+          </a:prstGeom>
+          <a:ln>
+            <a:tailEnd type="triangle"/>
+          </a:ln>
+        </p:spPr>
+        <p:style>
+          <a:lnRef idx="3">
+            <a:schemeClr val="accent6"/>
+          </a:lnRef>
+          <a:fillRef idx="0">
+            <a:schemeClr val="accent6"/>
+          </a:fillRef>
+          <a:effectRef idx="2">
+            <a:schemeClr val="accent6"/>
+          </a:effectRef>
+          <a:fontRef idx="minor">
+            <a:schemeClr val="tx1"/>
+          </a:fontRef>
+        </p:style>
+      </p:cxnSp>
+      <p:sp>
+        <p:nvSpPr>
+          <p:cNvPr id="4" name="Prostokąt 3">
+            <a:extLst>
+              <a:ext uri="{FF2B5EF4-FFF2-40B4-BE49-F238E27FC236}">
+                <a16:creationId xmlns="" xmlns:a16="http://schemas.microsoft.com/office/drawing/2014/main" id="{77B8EA18-A4D3-4950-BF57-5DED7C2B1536}"/>
+              </a:ext>
+            </a:extLst>
+          </p:cNvPr>
+          <p:cNvSpPr/>
+          <p:nvPr/>
+        </p:nvSpPr>
+        <p:spPr>
+          <a:xfrm>
+            <a:off x="5670885" y="2515937"/>
+            <a:ext cx="1588168" cy="866273"/>
+          </a:xfrm>
+          <a:prstGeom prst="rect">
+            <a:avLst/>
+          </a:prstGeom>
+        </p:spPr>
+        <p:style>
+          <a:lnRef idx="2">
+            <a:schemeClr val="accent1">
+              <a:shade val="50000"/>
+            </a:schemeClr>
+          </a:lnRef>
+          <a:fillRef idx="1">
+            <a:schemeClr val="accent1"/>
+          </a:fillRef>
+          <a:effectRef idx="0">
+            <a:schemeClr val="accent1"/>
+          </a:effectRef>
+          <a:fontRef idx="minor">
+            <a:schemeClr val="lt1"/>
+          </a:fontRef>
+        </p:style>
+        <p:txBody>
+          <a:bodyPr rtlCol="0" anchor="ctr"/>
+          <a:lstStyle/>
+          <a:p>
+            <a:pPr algn="ctr"/>
+            <a:r>
+              <a:rPr lang="en-US" dirty="0" err="1"/>
+              <a:t>Subscriber.B</a:t>
+            </a:r>
+            <a:endParaRPr lang="en-US" dirty="0"/>
+          </a:p>
+        </p:txBody>
+      </p:sp>
+      <p:cxnSp>
+        <p:nvCxnSpPr>
+          <p:cNvPr id="28" name="Łącznik prosty ze strzałką 27">
+            <a:extLst>
+              <a:ext uri="{FF2B5EF4-FFF2-40B4-BE49-F238E27FC236}">
+                <a16:creationId xmlns="" xmlns:a16="http://schemas.microsoft.com/office/drawing/2014/main" id="{1C8E08B1-3761-4BE5-B72D-0D5B217CE5AE}"/>
+              </a:ext>
+            </a:extLst>
+          </p:cNvPr>
+          <p:cNvCxnSpPr>
+            <a:stCxn id="17" idx="1"/>
+            <a:endCxn id="16" idx="3"/>
+          </p:cNvCxnSpPr>
+          <p:nvPr/>
+        </p:nvCxnSpPr>
+        <p:spPr>
+          <a:xfrm flipH="1">
+            <a:off x="8053137" y="5112084"/>
+            <a:ext cx="1272674" cy="0"/>
+          </a:xfrm>
+          <a:prstGeom prst="straightConnector1">
+            <a:avLst/>
+          </a:prstGeom>
+          <a:ln>
+            <a:tailEnd type="triangle"/>
+          </a:ln>
+        </p:spPr>
+        <p:style>
+          <a:lnRef idx="3">
+            <a:schemeClr val="accent6"/>
+          </a:lnRef>
+          <a:fillRef idx="0">
+            <a:schemeClr val="accent6"/>
+          </a:fillRef>
+          <a:effectRef idx="2">
+            <a:schemeClr val="accent6"/>
+          </a:effectRef>
+          <a:fontRef idx="minor">
+            <a:schemeClr val="tx1"/>
+          </a:fontRef>
+        </p:style>
+      </p:cxnSp>
+      <p:sp>
+        <p:nvSpPr>
+          <p:cNvPr id="21" name="Prostokąt 15">
+            <a:extLst>
+              <a:ext uri="{FF2B5EF4-FFF2-40B4-BE49-F238E27FC236}">
+                <a16:creationId xmlns="" xmlns:a16="http://schemas.microsoft.com/office/drawing/2014/main" id="{3289A138-A86B-4EE4-A7BE-7B6E6EB122D8}"/>
+              </a:ext>
+            </a:extLst>
+          </p:cNvPr>
+          <p:cNvSpPr/>
+          <p:nvPr/>
+        </p:nvSpPr>
+        <p:spPr>
+          <a:xfrm>
+            <a:off x="9706699" y="1773015"/>
+            <a:ext cx="1588168" cy="866273"/>
+          </a:xfrm>
+          <a:prstGeom prst="rect">
+            <a:avLst/>
+          </a:prstGeom>
+        </p:spPr>
+        <p:style>
+          <a:lnRef idx="2">
+            <a:schemeClr val="accent6">
+              <a:shade val="50000"/>
+            </a:schemeClr>
+          </a:lnRef>
+          <a:fillRef idx="1">
+            <a:schemeClr val="accent6"/>
+          </a:fillRef>
+          <a:effectRef idx="0">
+            <a:schemeClr val="accent6"/>
+          </a:effectRef>
+          <a:fontRef idx="minor">
+            <a:schemeClr val="lt1"/>
+          </a:fontRef>
+        </p:style>
+        <p:txBody>
+          <a:bodyPr rtlCol="0" anchor="ctr"/>
+          <a:lstStyle/>
+          <a:p>
+            <a:pPr algn="ctr"/>
+            <a:r>
+              <a:rPr lang="en-US" dirty="0" err="1" smtClean="0"/>
+              <a:t>ServiceControl</a:t>
+            </a:r>
+            <a:endParaRPr lang="en-US" dirty="0"/>
+          </a:p>
+        </p:txBody>
+      </p:sp>
+      <p:cxnSp>
+        <p:nvCxnSpPr>
+          <p:cNvPr id="23" name="Łącznik prosty ze strzałką 23">
+            <a:extLst>
+              <a:ext uri="{FF2B5EF4-FFF2-40B4-BE49-F238E27FC236}">
+                <a16:creationId xmlns="" xmlns:a16="http://schemas.microsoft.com/office/drawing/2014/main" id="{B4ACA9CE-7988-4161-AC8C-FD45C2B8217F}"/>
+              </a:ext>
+            </a:extLst>
+          </p:cNvPr>
+          <p:cNvCxnSpPr>
+            <a:stCxn id="3" idx="3"/>
+            <a:endCxn id="27" idx="1"/>
+          </p:cNvCxnSpPr>
+          <p:nvPr/>
+        </p:nvCxnSpPr>
+        <p:spPr>
+          <a:xfrm>
+            <a:off x="7259053" y="1564106"/>
+            <a:ext cx="1353112" cy="642045"/>
+          </a:xfrm>
+          <a:prstGeom prst="straightConnector1">
+            <a:avLst/>
+          </a:prstGeom>
+          <a:ln>
+            <a:tailEnd type="triangle"/>
+          </a:ln>
+        </p:spPr>
+        <p:style>
+          <a:lnRef idx="3">
+            <a:schemeClr val="accent6"/>
+          </a:lnRef>
+          <a:fillRef idx="0">
+            <a:schemeClr val="accent6"/>
+          </a:fillRef>
+          <a:effectRef idx="2">
+            <a:schemeClr val="accent6"/>
+          </a:effectRef>
+          <a:fontRef idx="minor">
+            <a:schemeClr val="tx1"/>
+          </a:fontRef>
+        </p:style>
+      </p:cxnSp>
+      <p:cxnSp>
+        <p:nvCxnSpPr>
+          <p:cNvPr id="25" name="Łącznik prosty ze strzałką 23">
+            <a:extLst>
+              <a:ext uri="{FF2B5EF4-FFF2-40B4-BE49-F238E27FC236}">
+                <a16:creationId xmlns="" xmlns:a16="http://schemas.microsoft.com/office/drawing/2014/main" id="{B4ACA9CE-7988-4161-AC8C-FD45C2B8217F}"/>
+              </a:ext>
+            </a:extLst>
+          </p:cNvPr>
+          <p:cNvCxnSpPr>
+            <a:stCxn id="4" idx="3"/>
+            <a:endCxn id="27" idx="1"/>
+          </p:cNvCxnSpPr>
+          <p:nvPr/>
+        </p:nvCxnSpPr>
+        <p:spPr>
+          <a:xfrm flipV="1">
+            <a:off x="7259053" y="2206151"/>
+            <a:ext cx="1353112" cy="742923"/>
+          </a:xfrm>
+          <a:prstGeom prst="straightConnector1">
+            <a:avLst/>
+          </a:prstGeom>
+          <a:ln>
+            <a:tailEnd type="triangle"/>
+          </a:ln>
+        </p:spPr>
+        <p:style>
+          <a:lnRef idx="3">
+            <a:schemeClr val="accent6"/>
+          </a:lnRef>
+          <a:fillRef idx="0">
+            <a:schemeClr val="accent6"/>
+          </a:fillRef>
+          <a:effectRef idx="2">
+            <a:schemeClr val="accent6"/>
+          </a:effectRef>
+          <a:fontRef idx="minor">
+            <a:schemeClr val="tx1"/>
+          </a:fontRef>
+        </p:style>
+      </p:cxnSp>
+      <p:sp>
+        <p:nvSpPr>
+          <p:cNvPr id="27" name="Prostokąt 17">
+            <a:extLst>
+              <a:ext uri="{FF2B5EF4-FFF2-40B4-BE49-F238E27FC236}">
+                <a16:creationId xmlns="" xmlns:a16="http://schemas.microsoft.com/office/drawing/2014/main" id="{F7A044CA-04F7-42DF-AAA4-D1670EB1B7F3}"/>
+              </a:ext>
+            </a:extLst>
+          </p:cNvPr>
+          <p:cNvSpPr/>
+          <p:nvPr/>
+        </p:nvSpPr>
+        <p:spPr>
+          <a:xfrm>
+            <a:off x="8612165" y="2085835"/>
+            <a:ext cx="775368" cy="240632"/>
+          </a:xfrm>
+          <a:prstGeom prst="rect">
+            <a:avLst/>
+          </a:prstGeom>
+        </p:spPr>
+        <p:style>
+          <a:lnRef idx="2">
+            <a:schemeClr val="accent6">
+              <a:shade val="50000"/>
+            </a:schemeClr>
+          </a:lnRef>
+          <a:fillRef idx="1">
+            <a:schemeClr val="accent6"/>
+          </a:fillRef>
+          <a:effectRef idx="0">
+            <a:schemeClr val="accent6"/>
+          </a:effectRef>
+          <a:fontRef idx="minor">
+            <a:schemeClr val="lt1"/>
+          </a:fontRef>
+        </p:style>
+        <p:txBody>
+          <a:bodyPr rtlCol="0" anchor="ctr"/>
+          <a:lstStyle/>
+          <a:p>
+            <a:pPr algn="ctr"/>
+            <a:r>
+              <a:rPr lang="en-US" dirty="0"/>
+              <a:t>Q</a:t>
+            </a:r>
+          </a:p>
+        </p:txBody>
+      </p:sp>
+      <p:cxnSp>
+        <p:nvCxnSpPr>
+          <p:cNvPr id="29" name="Łącznik prosty ze strzałką 23">
+            <a:extLst>
+              <a:ext uri="{FF2B5EF4-FFF2-40B4-BE49-F238E27FC236}">
+                <a16:creationId xmlns="" xmlns:a16="http://schemas.microsoft.com/office/drawing/2014/main" id="{B4ACA9CE-7988-4161-AC8C-FD45C2B8217F}"/>
+              </a:ext>
+            </a:extLst>
+          </p:cNvPr>
+          <p:cNvCxnSpPr>
+            <a:stCxn id="27" idx="3"/>
+            <a:endCxn id="21" idx="1"/>
+          </p:cNvCxnSpPr>
+          <p:nvPr/>
+        </p:nvCxnSpPr>
+        <p:spPr>
+          <a:xfrm>
+            <a:off x="9387533" y="2206151"/>
+            <a:ext cx="319166" cy="1"/>
+          </a:xfrm>
+          <a:prstGeom prst="straightConnector1">
+            <a:avLst/>
+          </a:prstGeom>
+          <a:ln>
+            <a:tailEnd type="triangle"/>
+          </a:ln>
+        </p:spPr>
+        <p:style>
+          <a:lnRef idx="3">
+            <a:schemeClr val="accent6"/>
+          </a:lnRef>
+          <a:fillRef idx="0">
+            <a:schemeClr val="accent6"/>
+          </a:fillRef>
+          <a:effectRef idx="2">
+            <a:schemeClr val="accent6"/>
+          </a:effectRef>
+          <a:fontRef idx="minor">
+            <a:schemeClr val="tx1"/>
+          </a:fontRef>
+        </p:style>
+      </p:cxnSp>
+      <p:cxnSp>
+        <p:nvCxnSpPr>
+          <p:cNvPr id="30" name="Łącznik prosty ze strzałką 27">
+            <a:extLst>
+              <a:ext uri="{FF2B5EF4-FFF2-40B4-BE49-F238E27FC236}">
+                <a16:creationId xmlns="" xmlns:a16="http://schemas.microsoft.com/office/drawing/2014/main" id="{1C8E08B1-3761-4BE5-B72D-0D5B217CE5AE}"/>
+              </a:ext>
+            </a:extLst>
+          </p:cNvPr>
+          <p:cNvCxnSpPr>
+            <a:stCxn id="17" idx="0"/>
+            <a:endCxn id="21" idx="2"/>
+          </p:cNvCxnSpPr>
+          <p:nvPr/>
+        </p:nvCxnSpPr>
+        <p:spPr>
+          <a:xfrm flipV="1">
+            <a:off x="10119895" y="2639288"/>
+            <a:ext cx="380888" cy="2039659"/>
+          </a:xfrm>
+          <a:prstGeom prst="straightConnector1">
+            <a:avLst/>
+          </a:prstGeom>
+          <a:ln>
+            <a:tailEnd type="triangle"/>
+          </a:ln>
+        </p:spPr>
+        <p:style>
+          <a:lnRef idx="3">
+            <a:schemeClr val="accent6"/>
+          </a:lnRef>
+          <a:fillRef idx="0">
+            <a:schemeClr val="accent6"/>
+          </a:fillRef>
+          <a:effectRef idx="2">
+            <a:schemeClr val="accent6"/>
+          </a:effectRef>
+          <a:fontRef idx="minor">
+            <a:schemeClr val="tx1"/>
+          </a:fontRef>
+        </p:style>
+      </p:cxnSp>
+    </p:spTree>
+    <p:extLst>
+      <p:ext uri="{BB962C8B-B14F-4D97-AF65-F5344CB8AC3E}">
+        <p14:creationId xmlns:p14="http://schemas.microsoft.com/office/powerpoint/2010/main" val="3707750698"/>
+      </p:ext>
+    </p:extLst>
+  </p:cSld>
+  <p:clrMapOvr>
+    <a:masterClrMapping/>
+  </p:clrMapOvr>
+  <p:timing>
+    <p:tnLst>
+      <p:par>
+        <p:cTn id="1" dur="indefinite" restart="never" nodeType="tmRoot"/>
+      </p:par>
+    </p:tnLst>
+  </p:timing>
 </p:sld>
 </file>
 

--- a/demo-interation1.pptx
+++ b/demo-interation1.pptx
@@ -104,6 +104,11 @@
       </a:defRPr>
     </a:lvl9pPr>
   </p:defaultTextStyle>
+  <p:extLst>
+    <p:ext uri="{EFAFB233-063F-42B5-8137-9DF3F51BA10A}">
+      <p15:sldGuideLst xmlns:p15="http://schemas.microsoft.com/office/powerpoint/2012/main"/>
+    </p:ext>
+  </p:extLst>
 </p:presentation>
 </file>
 
@@ -260,7 +265,7 @@
           <a:p>
             <a:fld id="{52AC4312-47F2-4411-BF89-B6ED09789093}" type="datetimeFigureOut">
               <a:rPr lang="en-US" smtClean="0"/>
-              <a:t>7/19/2017</a:t>
+              <a:t>9/6/2017</a:t>
             </a:fld>
             <a:endParaRPr lang="en-US"/>
           </a:p>
@@ -460,7 +465,7 @@
           <a:p>
             <a:fld id="{52AC4312-47F2-4411-BF89-B6ED09789093}" type="datetimeFigureOut">
               <a:rPr lang="en-US" smtClean="0"/>
-              <a:t>7/19/2017</a:t>
+              <a:t>9/6/2017</a:t>
             </a:fld>
             <a:endParaRPr lang="en-US"/>
           </a:p>
@@ -670,7 +675,7 @@
           <a:p>
             <a:fld id="{52AC4312-47F2-4411-BF89-B6ED09789093}" type="datetimeFigureOut">
               <a:rPr lang="en-US" smtClean="0"/>
-              <a:t>7/19/2017</a:t>
+              <a:t>9/6/2017</a:t>
             </a:fld>
             <a:endParaRPr lang="en-US"/>
           </a:p>
@@ -870,7 +875,7 @@
           <a:p>
             <a:fld id="{52AC4312-47F2-4411-BF89-B6ED09789093}" type="datetimeFigureOut">
               <a:rPr lang="en-US" smtClean="0"/>
-              <a:t>7/19/2017</a:t>
+              <a:t>9/6/2017</a:t>
             </a:fld>
             <a:endParaRPr lang="en-US"/>
           </a:p>
@@ -1146,7 +1151,7 @@
           <a:p>
             <a:fld id="{52AC4312-47F2-4411-BF89-B6ED09789093}" type="datetimeFigureOut">
               <a:rPr lang="en-US" smtClean="0"/>
-              <a:t>7/19/2017</a:t>
+              <a:t>9/6/2017</a:t>
             </a:fld>
             <a:endParaRPr lang="en-US"/>
           </a:p>
@@ -1414,7 +1419,7 @@
           <a:p>
             <a:fld id="{52AC4312-47F2-4411-BF89-B6ED09789093}" type="datetimeFigureOut">
               <a:rPr lang="en-US" smtClean="0"/>
-              <a:t>7/19/2017</a:t>
+              <a:t>9/6/2017</a:t>
             </a:fld>
             <a:endParaRPr lang="en-US"/>
           </a:p>
@@ -1829,7 +1834,7 @@
           <a:p>
             <a:fld id="{52AC4312-47F2-4411-BF89-B6ED09789093}" type="datetimeFigureOut">
               <a:rPr lang="en-US" smtClean="0"/>
-              <a:t>7/19/2017</a:t>
+              <a:t>9/6/2017</a:t>
             </a:fld>
             <a:endParaRPr lang="en-US"/>
           </a:p>
@@ -1971,7 +1976,7 @@
           <a:p>
             <a:fld id="{52AC4312-47F2-4411-BF89-B6ED09789093}" type="datetimeFigureOut">
               <a:rPr lang="en-US" smtClean="0"/>
-              <a:t>7/19/2017</a:t>
+              <a:t>9/6/2017</a:t>
             </a:fld>
             <a:endParaRPr lang="en-US"/>
           </a:p>
@@ -2084,7 +2089,7 @@
           <a:p>
             <a:fld id="{52AC4312-47F2-4411-BF89-B6ED09789093}" type="datetimeFigureOut">
               <a:rPr lang="en-US" smtClean="0"/>
-              <a:t>7/19/2017</a:t>
+              <a:t>9/6/2017</a:t>
             </a:fld>
             <a:endParaRPr lang="en-US"/>
           </a:p>
@@ -2397,7 +2402,7 @@
           <a:p>
             <a:fld id="{52AC4312-47F2-4411-BF89-B6ED09789093}" type="datetimeFigureOut">
               <a:rPr lang="en-US" smtClean="0"/>
-              <a:t>7/19/2017</a:t>
+              <a:t>9/6/2017</a:t>
             </a:fld>
             <a:endParaRPr lang="en-US"/>
           </a:p>
@@ -2686,7 +2691,7 @@
           <a:p>
             <a:fld id="{52AC4312-47F2-4411-BF89-B6ED09789093}" type="datetimeFigureOut">
               <a:rPr lang="en-US" smtClean="0"/>
-              <a:t>7/19/2017</a:t>
+              <a:t>9/6/2017</a:t>
             </a:fld>
             <a:endParaRPr lang="en-US"/>
           </a:p>
@@ -2929,7 +2934,7 @@
           <a:p>
             <a:fld id="{52AC4312-47F2-4411-BF89-B6ED09789093}" type="datetimeFigureOut">
               <a:rPr lang="en-US" smtClean="0"/>
-              <a:t>7/19/2017</a:t>
+              <a:t>9/6/2017</a:t>
             </a:fld>
             <a:endParaRPr lang="en-US"/>
           </a:p>
@@ -3346,6 +3351,49 @@
           <a:chExt cx="0" cy="0"/>
         </a:xfrm>
       </p:grpSpPr>
+      <p:cxnSp>
+        <p:nvCxnSpPr>
+          <p:cNvPr id="25" name="Łącznik prosty ze strzałką 24">
+            <a:extLst>
+              <a:ext uri="{FF2B5EF4-FFF2-40B4-BE49-F238E27FC236}">
+                <a16:creationId xmlns:a16="http://schemas.microsoft.com/office/drawing/2014/main" id="{DE75B84B-BB9C-430A-9141-BD4B3883C8EF}"/>
+              </a:ext>
+            </a:extLst>
+          </p:cNvPr>
+          <p:cNvCxnSpPr>
+            <a:cxnSpLocks/>
+            <a:stCxn id="21" idx="2"/>
+            <a:endCxn id="18" idx="1"/>
+          </p:cNvCxnSpPr>
+          <p:nvPr/>
+        </p:nvCxnSpPr>
+        <p:spPr>
+          <a:xfrm flipH="1">
+            <a:off x="5347369" y="1019374"/>
+            <a:ext cx="1073619" cy="4092709"/>
+          </a:xfrm>
+          <a:prstGeom prst="straightConnector1">
+            <a:avLst/>
+          </a:prstGeom>
+          <a:ln>
+            <a:tailEnd type="triangle"/>
+          </a:ln>
+        </p:spPr>
+        <p:style>
+          <a:lnRef idx="3">
+            <a:schemeClr val="accent6"/>
+          </a:lnRef>
+          <a:fillRef idx="0">
+            <a:schemeClr val="accent6"/>
+          </a:fillRef>
+          <a:effectRef idx="2">
+            <a:schemeClr val="accent6"/>
+          </a:effectRef>
+          <a:fontRef idx="minor">
+            <a:schemeClr val="tx1"/>
+          </a:fontRef>
+        </p:style>
+      </p:cxnSp>
       <p:sp>
         <p:nvSpPr>
           <p:cNvPr id="2" name="Prostokąt 1">
@@ -3410,7 +3458,7 @@
         </p:nvSpPr>
         <p:spPr>
           <a:xfrm>
-            <a:off x="5670885" y="1130969"/>
+            <a:off x="5670885" y="1328821"/>
             <a:ext cx="1588168" cy="866273"/>
           </a:xfrm>
           <a:prstGeom prst="rect">
@@ -3554,8 +3602,8 @@
         </p:nvCxnSpPr>
         <p:spPr>
           <a:xfrm flipV="1">
-            <a:off x="5224379" y="1564106"/>
-            <a:ext cx="446506" cy="737936"/>
+            <a:off x="5224379" y="1761958"/>
+            <a:ext cx="446506" cy="540084"/>
           </a:xfrm>
           <a:prstGeom prst="straightConnector1">
             <a:avLst/>
@@ -3722,7 +3770,7 @@
         <p:spPr>
           <a:xfrm>
             <a:off x="1276683" y="586238"/>
-            <a:ext cx="2986507" cy="646331"/>
+            <a:ext cx="2986507" cy="830997"/>
           </a:xfrm>
           <a:prstGeom prst="rect">
             <a:avLst/>
@@ -3750,6 +3798,12 @@
             <a:r>
               <a:rPr lang="en-US" sz="1200" dirty="0"/>
               <a:t>Scaled-out, competing-consumer subscriber</a:t>
+            </a:r>
+          </a:p>
+          <a:p>
+            <a:r>
+              <a:rPr lang="en-US" sz="1200" b="1" dirty="0"/>
+              <a:t>Two message types</a:t>
             </a:r>
           </a:p>
         </p:txBody>
@@ -4004,8 +4058,8 @@
         </p:nvCxnSpPr>
         <p:spPr>
           <a:xfrm flipH="1">
-            <a:off x="5347369" y="1997242"/>
-            <a:ext cx="1117600" cy="3114841"/>
+            <a:off x="5347369" y="2195094"/>
+            <a:ext cx="1117600" cy="2916989"/>
           </a:xfrm>
           <a:prstGeom prst="straightConnector1">
             <a:avLst/>
@@ -4163,6 +4217,98 @@
           </a:fontRef>
         </p:style>
       </p:cxnSp>
+      <p:sp>
+        <p:nvSpPr>
+          <p:cNvPr id="21" name="Prostokąt 20">
+            <a:extLst>
+              <a:ext uri="{FF2B5EF4-FFF2-40B4-BE49-F238E27FC236}">
+                <a16:creationId xmlns:a16="http://schemas.microsoft.com/office/drawing/2014/main" id="{75250D7D-5587-416C-8BB1-C42FBE724416}"/>
+              </a:ext>
+            </a:extLst>
+          </p:cNvPr>
+          <p:cNvSpPr/>
+          <p:nvPr/>
+        </p:nvSpPr>
+        <p:spPr>
+          <a:xfrm>
+            <a:off x="5626904" y="153101"/>
+            <a:ext cx="1588168" cy="866273"/>
+          </a:xfrm>
+          <a:prstGeom prst="rect">
+            <a:avLst/>
+          </a:prstGeom>
+        </p:spPr>
+        <p:style>
+          <a:lnRef idx="2">
+            <a:schemeClr val="accent1">
+              <a:shade val="50000"/>
+            </a:schemeClr>
+          </a:lnRef>
+          <a:fillRef idx="1">
+            <a:schemeClr val="accent1"/>
+          </a:fillRef>
+          <a:effectRef idx="0">
+            <a:schemeClr val="accent1"/>
+          </a:effectRef>
+          <a:fontRef idx="minor">
+            <a:schemeClr val="lt1"/>
+          </a:fontRef>
+        </p:style>
+        <p:txBody>
+          <a:bodyPr rtlCol="0" anchor="ctr"/>
+          <a:lstStyle/>
+          <a:p>
+            <a:pPr algn="ctr"/>
+            <a:r>
+              <a:rPr lang="en-US" dirty="0"/>
+              <a:t>Subscriber.V5</a:t>
+            </a:r>
+          </a:p>
+        </p:txBody>
+      </p:sp>
+      <p:sp>
+        <p:nvSpPr>
+          <p:cNvPr id="23" name="pole tekstowe 22">
+            <a:extLst>
+              <a:ext uri="{FF2B5EF4-FFF2-40B4-BE49-F238E27FC236}">
+                <a16:creationId xmlns:a16="http://schemas.microsoft.com/office/drawing/2014/main" id="{A64CF60A-D9B6-4A68-A409-26CC38DBCAC4}"/>
+              </a:ext>
+            </a:extLst>
+          </p:cNvPr>
+          <p:cNvSpPr txBox="1"/>
+          <p:nvPr/>
+        </p:nvSpPr>
+        <p:spPr>
+          <a:xfrm>
+            <a:off x="7362303" y="280599"/>
+            <a:ext cx="1903663" cy="276999"/>
+          </a:xfrm>
+          <a:prstGeom prst="rect">
+            <a:avLst/>
+          </a:prstGeom>
+          <a:noFill/>
+        </p:spPr>
+        <p:txBody>
+          <a:bodyPr wrap="square" rtlCol="0">
+            <a:spAutoFit/>
+          </a:bodyPr>
+          <a:lstStyle/>
+          <a:p>
+            <a:r>
+              <a:rPr lang="en-US" sz="1200" dirty="0"/>
+              <a:t>2000 </a:t>
+            </a:r>
+            <a:r>
+              <a:rPr lang="en-US" sz="1200" dirty="0" err="1"/>
+              <a:t>ms</a:t>
+            </a:r>
+            <a:r>
+              <a:rPr lang="en-US" sz="1200" dirty="0"/>
+              <a:t> in the handler</a:t>
+            </a:r>
+          </a:p>
+        </p:txBody>
+      </p:sp>
     </p:spTree>
     <p:extLst>
       <p:ext uri="{BB962C8B-B14F-4D97-AF65-F5344CB8AC3E}">
